--- a/aws_sra_examples/solutions/iam/iam_password_policy/documentation/iam-password-policy.pptx
+++ b/aws_sra_examples/solutions/iam/iam_password_policy/documentation/iam-password-policy.pptx
@@ -8,7 +8,7 @@
     <p:notesMasterId r:id="rId3"/>
   </p:notesMasterIdLst>
   <p:sldIdLst>
-    <p:sldId id="256" r:id="rId2"/>
+    <p:sldId id="265" r:id="rId2"/>
   </p:sldIdLst>
   <p:sldSz cx="12192000" cy="6858000"/>
   <p:notesSz cx="6858000" cy="9144000"/>
@@ -197,7 +197,7 @@
           <a:p>
             <a:fld id="{FD8D84E3-00BA-4A46-8256-7E527D8B4480}" type="datetimeFigureOut">
               <a:rPr lang="en-US" smtClean="0"/>
-              <a:t>3/7/22</a:t>
+              <a:t>9/11/2023</a:t>
             </a:fld>
             <a:endParaRPr lang="en-US"/>
           </a:p>
@@ -464,90 +464,6 @@
 </p:notesMaster>
 </file>
 
-<file path=ppt/notesSlides/notesSlide1.xml><?xml version="1.0" encoding="utf-8"?>
-<p:notes xmlns:a="http://schemas.openxmlformats.org/drawingml/2006/main" xmlns:r="http://schemas.openxmlformats.org/officeDocument/2006/relationships" xmlns:p="http://schemas.openxmlformats.org/presentationml/2006/main">
-  <p:cSld>
-    <p:spTree>
-      <p:nvGrpSpPr>
-        <p:cNvPr id="1" name=""/>
-        <p:cNvGrpSpPr/>
-        <p:nvPr/>
-      </p:nvGrpSpPr>
-      <p:grpSpPr>
-        <a:xfrm>
-          <a:off x="0" y="0"/>
-          <a:ext cx="0" cy="0"/>
-          <a:chOff x="0" y="0"/>
-          <a:chExt cx="0" cy="0"/>
-        </a:xfrm>
-      </p:grpSpPr>
-      <p:sp>
-        <p:nvSpPr>
-          <p:cNvPr id="2" name="Slide Image Placeholder 1"/>
-          <p:cNvSpPr>
-            <a:spLocks noGrp="1" noRot="1" noChangeAspect="1"/>
-          </p:cNvSpPr>
-          <p:nvPr>
-            <p:ph type="sldImg"/>
-          </p:nvPr>
-        </p:nvSpPr>
-        <p:spPr/>
-      </p:sp>
-      <p:sp>
-        <p:nvSpPr>
-          <p:cNvPr id="3" name="Notes Placeholder 2"/>
-          <p:cNvSpPr>
-            <a:spLocks noGrp="1"/>
-          </p:cNvSpPr>
-          <p:nvPr>
-            <p:ph type="body" idx="1"/>
-          </p:nvPr>
-        </p:nvSpPr>
-        <p:spPr/>
-        <p:txBody>
-          <a:bodyPr/>
-          <a:lstStyle/>
-          <a:p>
-            <a:endParaRPr lang="en-US" dirty="0"/>
-          </a:p>
-        </p:txBody>
-      </p:sp>
-      <p:sp>
-        <p:nvSpPr>
-          <p:cNvPr id="4" name="Slide Number Placeholder 3"/>
-          <p:cNvSpPr>
-            <a:spLocks noGrp="1"/>
-          </p:cNvSpPr>
-          <p:nvPr>
-            <p:ph type="sldNum" sz="quarter" idx="5"/>
-          </p:nvPr>
-        </p:nvSpPr>
-        <p:spPr/>
-        <p:txBody>
-          <a:bodyPr/>
-          <a:lstStyle/>
-          <a:p>
-            <a:fld id="{9E1330C4-BBBB-FC4A-85DD-6AFA452BF0C0}" type="slidenum">
-              <a:rPr lang="en-US" smtClean="0"/>
-              <a:t>1</a:t>
-            </a:fld>
-            <a:endParaRPr lang="en-US"/>
-          </a:p>
-        </p:txBody>
-      </p:sp>
-    </p:spTree>
-    <p:extLst>
-      <p:ext uri="{BB962C8B-B14F-4D97-AF65-F5344CB8AC3E}">
-        <p14:creationId xmlns:p14="http://schemas.microsoft.com/office/powerpoint/2010/main" val="27507652"/>
-      </p:ext>
-    </p:extLst>
-  </p:cSld>
-  <p:clrMapOvr>
-    <a:masterClrMapping/>
-  </p:clrMapOvr>
-</p:notes>
-</file>
-
 <file path=ppt/slideLayouts/slideLayout1.xml><?xml version="1.0" encoding="utf-8"?>
 <p:sldLayout xmlns:a="http://schemas.openxmlformats.org/drawingml/2006/main" xmlns:r="http://schemas.openxmlformats.org/officeDocument/2006/relationships" xmlns:p="http://schemas.openxmlformats.org/presentationml/2006/main" type="title" preserve="1">
   <p:cSld name="Title Slide">
@@ -695,7 +611,7 @@
           <a:p>
             <a:fld id="{9FE185F7-9B28-9F45-9F43-9CB5A0B99390}" type="datetimeFigureOut">
               <a:rPr lang="en-US" smtClean="0"/>
-              <a:t>3/7/22</a:t>
+              <a:t>9/11/2023</a:t>
             </a:fld>
             <a:endParaRPr lang="en-US"/>
           </a:p>
@@ -893,7 +809,7 @@
           <a:p>
             <a:fld id="{9FE185F7-9B28-9F45-9F43-9CB5A0B99390}" type="datetimeFigureOut">
               <a:rPr lang="en-US" smtClean="0"/>
-              <a:t>3/7/22</a:t>
+              <a:t>9/11/2023</a:t>
             </a:fld>
             <a:endParaRPr lang="en-US"/>
           </a:p>
@@ -1101,7 +1017,7 @@
           <a:p>
             <a:fld id="{9FE185F7-9B28-9F45-9F43-9CB5A0B99390}" type="datetimeFigureOut">
               <a:rPr lang="en-US" smtClean="0"/>
-              <a:t>3/7/22</a:t>
+              <a:t>9/11/2023</a:t>
             </a:fld>
             <a:endParaRPr lang="en-US"/>
           </a:p>
@@ -1299,7 +1215,7 @@
           <a:p>
             <a:fld id="{9FE185F7-9B28-9F45-9F43-9CB5A0B99390}" type="datetimeFigureOut">
               <a:rPr lang="en-US" smtClean="0"/>
-              <a:t>3/7/22</a:t>
+              <a:t>9/11/2023</a:t>
             </a:fld>
             <a:endParaRPr lang="en-US"/>
           </a:p>
@@ -1574,7 +1490,7 @@
           <a:p>
             <a:fld id="{9FE185F7-9B28-9F45-9F43-9CB5A0B99390}" type="datetimeFigureOut">
               <a:rPr lang="en-US" smtClean="0"/>
-              <a:t>3/7/22</a:t>
+              <a:t>9/11/2023</a:t>
             </a:fld>
             <a:endParaRPr lang="en-US"/>
           </a:p>
@@ -1839,7 +1755,7 @@
           <a:p>
             <a:fld id="{9FE185F7-9B28-9F45-9F43-9CB5A0B99390}" type="datetimeFigureOut">
               <a:rPr lang="en-US" smtClean="0"/>
-              <a:t>3/7/22</a:t>
+              <a:t>9/11/2023</a:t>
             </a:fld>
             <a:endParaRPr lang="en-US"/>
           </a:p>
@@ -2251,7 +2167,7 @@
           <a:p>
             <a:fld id="{9FE185F7-9B28-9F45-9F43-9CB5A0B99390}" type="datetimeFigureOut">
               <a:rPr lang="en-US" smtClean="0"/>
-              <a:t>3/7/22</a:t>
+              <a:t>9/11/2023</a:t>
             </a:fld>
             <a:endParaRPr lang="en-US"/>
           </a:p>
@@ -2392,7 +2308,7 @@
           <a:p>
             <a:fld id="{9FE185F7-9B28-9F45-9F43-9CB5A0B99390}" type="datetimeFigureOut">
               <a:rPr lang="en-US" smtClean="0"/>
-              <a:t>3/7/22</a:t>
+              <a:t>9/11/2023</a:t>
             </a:fld>
             <a:endParaRPr lang="en-US"/>
           </a:p>
@@ -2505,7 +2421,7 @@
           <a:p>
             <a:fld id="{9FE185F7-9B28-9F45-9F43-9CB5A0B99390}" type="datetimeFigureOut">
               <a:rPr lang="en-US" smtClean="0"/>
-              <a:t>3/7/22</a:t>
+              <a:t>9/11/2023</a:t>
             </a:fld>
             <a:endParaRPr lang="en-US"/>
           </a:p>
@@ -2816,7 +2732,7 @@
           <a:p>
             <a:fld id="{9FE185F7-9B28-9F45-9F43-9CB5A0B99390}" type="datetimeFigureOut">
               <a:rPr lang="en-US" smtClean="0"/>
-              <a:t>3/7/22</a:t>
+              <a:t>9/11/2023</a:t>
             </a:fld>
             <a:endParaRPr lang="en-US"/>
           </a:p>
@@ -3104,7 +3020,7 @@
           <a:p>
             <a:fld id="{9FE185F7-9B28-9F45-9F43-9CB5A0B99390}" type="datetimeFigureOut">
               <a:rPr lang="en-US" smtClean="0"/>
-              <a:t>3/7/22</a:t>
+              <a:t>9/11/2023</a:t>
             </a:fld>
             <a:endParaRPr lang="en-US"/>
           </a:p>
@@ -3345,7 +3261,7 @@
           <a:p>
             <a:fld id="{9FE185F7-9B28-9F45-9F43-9CB5A0B99390}" type="datetimeFigureOut">
               <a:rPr lang="en-US" smtClean="0"/>
-              <a:t>3/7/22</a:t>
+              <a:t>9/11/2023</a:t>
             </a:fld>
             <a:endParaRPr lang="en-US"/>
           </a:p>
@@ -3748,17 +3664,6 @@
 <file path=ppt/slides/slide1.xml><?xml version="1.0" encoding="utf-8"?>
 <p:sld xmlns:a="http://schemas.openxmlformats.org/drawingml/2006/main" xmlns:r="http://schemas.openxmlformats.org/officeDocument/2006/relationships" xmlns:p="http://schemas.openxmlformats.org/presentationml/2006/main">
   <p:cSld>
-    <p:bg>
-      <p:bgPr>
-        <a:solidFill>
-          <a:schemeClr val="tx1">
-            <a:lumMod val="65000"/>
-            <a:lumOff val="35000"/>
-          </a:schemeClr>
-        </a:solidFill>
-        <a:effectLst/>
-      </p:bgPr>
-    </p:bg>
     <p:spTree>
       <p:nvGrpSpPr>
         <p:cNvPr id="1" name=""/>
@@ -3773,238 +3678,12 @@
           <a:chExt cx="0" cy="0"/>
         </a:xfrm>
       </p:grpSpPr>
-      <p:sp>
-        <p:nvSpPr>
-          <p:cNvPr id="125" name="Rectangle 124">
-            <a:extLst>
-              <a:ext uri="{FF2B5EF4-FFF2-40B4-BE49-F238E27FC236}">
-                <a16:creationId xmlns:a16="http://schemas.microsoft.com/office/drawing/2014/main" id="{09FB3F18-5D37-9F42-BE21-657A66F925D2}"/>
-              </a:ext>
-            </a:extLst>
-          </p:cNvPr>
-          <p:cNvSpPr/>
-          <p:nvPr/>
-        </p:nvSpPr>
-        <p:spPr>
-          <a:xfrm>
-            <a:off x="3805186" y="1437077"/>
-            <a:ext cx="4581628" cy="3300293"/>
-          </a:xfrm>
-          <a:prstGeom prst="rect">
-            <a:avLst/>
-          </a:prstGeom>
-          <a:solidFill>
-            <a:schemeClr val="bg1"/>
-          </a:solidFill>
-          <a:ln w="12700">
-            <a:solidFill>
-              <a:schemeClr val="tx1"/>
-            </a:solidFill>
-          </a:ln>
-        </p:spPr>
-        <p:style>
-          <a:lnRef idx="2">
-            <a:schemeClr val="accent1">
-              <a:shade val="50000"/>
-            </a:schemeClr>
-          </a:lnRef>
-          <a:fillRef idx="1">
-            <a:schemeClr val="accent1"/>
-          </a:fillRef>
-          <a:effectRef idx="0">
-            <a:schemeClr val="accent1"/>
-          </a:effectRef>
-          <a:fontRef idx="minor">
-            <a:schemeClr val="lt1"/>
-          </a:fontRef>
-        </p:style>
-        <p:txBody>
-          <a:bodyPr rot="0" spcFirstLastPara="0" vert="horz" wrap="square" lIns="457200" tIns="91440" rIns="91440" bIns="45720" numCol="1" spcCol="0" rtlCol="0" fromWordArt="0" anchor="t" anchorCtr="0" forceAA="0" compatLnSpc="1">
-            <a:prstTxWarp prst="textNoShape">
-              <a:avLst/>
-            </a:prstTxWarp>
-            <a:noAutofit/>
-          </a:bodyPr>
-          <a:lstStyle>
-            <a:lvl1pPr>
-              <a:defRPr>
-                <a:solidFill>
-                  <a:schemeClr val="lt1"/>
-                </a:solidFill>
-                <a:latin typeface="+mn-lt"/>
-                <a:ea typeface="+mn-ea"/>
-                <a:cs typeface="+mn-cs"/>
-              </a:defRPr>
-            </a:lvl1pPr>
-            <a:lvl2pPr>
-              <a:defRPr>
-                <a:solidFill>
-                  <a:schemeClr val="lt1"/>
-                </a:solidFill>
-                <a:latin typeface="+mn-lt"/>
-                <a:ea typeface="+mn-ea"/>
-                <a:cs typeface="+mn-cs"/>
-              </a:defRPr>
-            </a:lvl2pPr>
-            <a:lvl3pPr>
-              <a:defRPr>
-                <a:solidFill>
-                  <a:schemeClr val="lt1"/>
-                </a:solidFill>
-                <a:latin typeface="+mn-lt"/>
-                <a:ea typeface="+mn-ea"/>
-                <a:cs typeface="+mn-cs"/>
-              </a:defRPr>
-            </a:lvl3pPr>
-            <a:lvl4pPr>
-              <a:defRPr>
-                <a:solidFill>
-                  <a:schemeClr val="lt1"/>
-                </a:solidFill>
-                <a:latin typeface="+mn-lt"/>
-                <a:ea typeface="+mn-ea"/>
-                <a:cs typeface="+mn-cs"/>
-              </a:defRPr>
-            </a:lvl4pPr>
-            <a:lvl5pPr>
-              <a:defRPr>
-                <a:solidFill>
-                  <a:schemeClr val="lt1"/>
-                </a:solidFill>
-                <a:latin typeface="+mn-lt"/>
-                <a:ea typeface="+mn-ea"/>
-                <a:cs typeface="+mn-cs"/>
-              </a:defRPr>
-            </a:lvl5pPr>
-            <a:lvl6pPr>
-              <a:defRPr>
-                <a:solidFill>
-                  <a:schemeClr val="lt1"/>
-                </a:solidFill>
-                <a:latin typeface="+mn-lt"/>
-                <a:ea typeface="+mn-ea"/>
-                <a:cs typeface="+mn-cs"/>
-              </a:defRPr>
-            </a:lvl6pPr>
-            <a:lvl7pPr>
-              <a:defRPr>
-                <a:solidFill>
-                  <a:schemeClr val="lt1"/>
-                </a:solidFill>
-                <a:latin typeface="+mn-lt"/>
-                <a:ea typeface="+mn-ea"/>
-                <a:cs typeface="+mn-cs"/>
-              </a:defRPr>
-            </a:lvl7pPr>
-            <a:lvl8pPr>
-              <a:defRPr>
-                <a:solidFill>
-                  <a:schemeClr val="lt1"/>
-                </a:solidFill>
-                <a:latin typeface="+mn-lt"/>
-                <a:ea typeface="+mn-ea"/>
-                <a:cs typeface="+mn-cs"/>
-              </a:defRPr>
-            </a:lvl8pPr>
-            <a:lvl9pPr>
-              <a:defRPr>
-                <a:solidFill>
-                  <a:schemeClr val="lt1"/>
-                </a:solidFill>
-                <a:latin typeface="+mn-lt"/>
-                <a:ea typeface="+mn-ea"/>
-                <a:cs typeface="+mn-cs"/>
-              </a:defRPr>
-            </a:lvl9pPr>
-          </a:lstStyle>
-          <a:p>
-            <a:pPr algn="l"/>
-            <a:r>
-              <a:rPr lang="en-US" sz="1400" dirty="0">
-                <a:solidFill>
-                  <a:sysClr val="windowText" lastClr="000000"/>
-                </a:solidFill>
-                <a:latin typeface="Arial" panose="020B0604020202020204" pitchFamily="34" charset="0"/>
-                <a:cs typeface="Arial" panose="020B0604020202020204" pitchFamily="34" charset="0"/>
-              </a:rPr>
-              <a:t>AWS Cloud</a:t>
-            </a:r>
-          </a:p>
-        </p:txBody>
-      </p:sp>
-      <p:sp>
-        <p:nvSpPr>
-          <p:cNvPr id="129" name="Rectangle 128">
-            <a:extLst>
-              <a:ext uri="{FF2B5EF4-FFF2-40B4-BE49-F238E27FC236}">
-                <a16:creationId xmlns:a16="http://schemas.microsoft.com/office/drawing/2014/main" id="{FB73AA4D-BE37-B546-8168-72555838077A}"/>
-              </a:ext>
-            </a:extLst>
-          </p:cNvPr>
-          <p:cNvSpPr/>
-          <p:nvPr/>
-        </p:nvSpPr>
-        <p:spPr>
-          <a:xfrm>
-            <a:off x="3948572" y="1896651"/>
-            <a:ext cx="4282598" cy="2691259"/>
-          </a:xfrm>
-          <a:prstGeom prst="rect">
-            <a:avLst/>
-          </a:prstGeom>
-          <a:noFill/>
-          <a:ln w="12700">
-            <a:solidFill>
-              <a:schemeClr val="tx1"/>
-            </a:solidFill>
-            <a:prstDash val="solid"/>
-          </a:ln>
-        </p:spPr>
-        <p:style>
-          <a:lnRef idx="2">
-            <a:schemeClr val="accent1">
-              <a:shade val="50000"/>
-            </a:schemeClr>
-          </a:lnRef>
-          <a:fillRef idx="1">
-            <a:schemeClr val="accent1"/>
-          </a:fillRef>
-          <a:effectRef idx="0">
-            <a:schemeClr val="accent1"/>
-          </a:effectRef>
-          <a:fontRef idx="minor">
-            <a:schemeClr val="lt1"/>
-          </a:fontRef>
-        </p:style>
-        <p:txBody>
-          <a:bodyPr rot="0" spcFirstLastPara="0" vertOverflow="overflow" horzOverflow="overflow" vert="horz" wrap="square" lIns="91440" tIns="91440" rIns="91440" bIns="45720" numCol="1" spcCol="0" rtlCol="0" fromWordArt="0" anchor="t" anchorCtr="0" forceAA="0" compatLnSpc="1">
-            <a:prstTxWarp prst="textNoShape">
-              <a:avLst/>
-            </a:prstTxWarp>
-            <a:noAutofit/>
-          </a:bodyPr>
-          <a:lstStyle/>
-          <a:p>
-            <a:pPr algn="ctr"/>
-            <a:r>
-              <a:rPr lang="en-US" sz="1400" dirty="0">
-                <a:solidFill>
-                  <a:schemeClr val="tx1"/>
-                </a:solidFill>
-                <a:latin typeface="Arial" panose="020B0604020202020204" pitchFamily="34" charset="0"/>
-                <a:cs typeface="Arial" panose="020B0604020202020204" pitchFamily="34" charset="0"/>
-              </a:rPr>
-              <a:t>All Organization Accounts</a:t>
-            </a:r>
-          </a:p>
-        </p:txBody>
-      </p:sp>
       <p:pic>
         <p:nvPicPr>
-          <p:cNvPr id="126" name="Graphic 2">
-            <a:extLst>
-              <a:ext uri="{FF2B5EF4-FFF2-40B4-BE49-F238E27FC236}">
-                <a16:creationId xmlns:a16="http://schemas.microsoft.com/office/drawing/2014/main" id="{F04267D0-7955-2C4A-842B-D8A3A9599CC0}"/>
+          <p:cNvPr id="2" name="Graphic 1">
+            <a:extLst>
+              <a:ext uri="{FF2B5EF4-FFF2-40B4-BE49-F238E27FC236}">
+                <a16:creationId xmlns:a16="http://schemas.microsoft.com/office/drawing/2014/main" id="{E85F9636-CF4D-46CA-BCF1-E030919BB6A5}"/>
               </a:ext>
             </a:extLst>
           </p:cNvPr>
@@ -4014,10 +3693,10 @@
           <p:nvPr/>
         </p:nvPicPr>
         <p:blipFill>
-          <a:blip r:embed="rId3">
+          <a:blip r:embed="rId2">
             <a:extLst>
               <a:ext uri="{96DAC541-7B7A-43D3-8B79-37D633B846F1}">
-                <asvg:svgBlip xmlns:asvg="http://schemas.microsoft.com/office/drawing/2016/SVG/main" r:embed="rId4"/>
+                <asvg:svgBlip xmlns:asvg="http://schemas.microsoft.com/office/drawing/2016/SVG/main" r:embed="rId3"/>
               </a:ext>
             </a:extLst>
           </a:blip>
@@ -4027,59 +3706,56 @@
         </p:blipFill>
         <p:spPr>
           <a:xfrm>
-            <a:off x="3805186" y="1443627"/>
-            <a:ext cx="330200" cy="330200"/>
+            <a:off x="3048675" y="4852006"/>
+            <a:ext cx="469900" cy="469900"/>
           </a:xfrm>
           <a:prstGeom prst="rect">
             <a:avLst/>
           </a:prstGeom>
         </p:spPr>
       </p:pic>
-      <p:sp>
-        <p:nvSpPr>
-          <p:cNvPr id="151" name="TextBox 150">
-            <a:extLst>
-              <a:ext uri="{FF2B5EF4-FFF2-40B4-BE49-F238E27FC236}">
-                <a16:creationId xmlns:a16="http://schemas.microsoft.com/office/drawing/2014/main" id="{08B67E83-7D09-C748-AEEF-49786315014A}"/>
-              </a:ext>
-            </a:extLst>
-          </p:cNvPr>
-          <p:cNvSpPr txBox="1"/>
+      <p:pic>
+        <p:nvPicPr>
+          <p:cNvPr id="3" name="Graphic 2">
+            <a:extLst>
+              <a:ext uri="{FF2B5EF4-FFF2-40B4-BE49-F238E27FC236}">
+                <a16:creationId xmlns:a16="http://schemas.microsoft.com/office/drawing/2014/main" id="{81B3881B-8476-4B99-B73F-64439FC95941}"/>
+              </a:ext>
+            </a:extLst>
+          </p:cNvPr>
+          <p:cNvPicPr>
+            <a:picLocks noChangeAspect="1"/>
+          </p:cNvPicPr>
           <p:nvPr/>
-        </p:nvSpPr>
+        </p:nvPicPr>
+        <p:blipFill>
+          <a:blip r:embed="rId4">
+            <a:extLst>
+              <a:ext uri="{96DAC541-7B7A-43D3-8B79-37D633B846F1}">
+                <asvg:svgBlip xmlns:asvg="http://schemas.microsoft.com/office/drawing/2016/SVG/main" r:embed="rId5"/>
+              </a:ext>
+            </a:extLst>
+          </a:blip>
+          <a:stretch>
+            <a:fillRect/>
+          </a:stretch>
+        </p:blipFill>
         <p:spPr>
           <a:xfrm>
-            <a:off x="3998348" y="3040155"/>
-            <a:ext cx="1307240" cy="430887"/>
+            <a:off x="1971136" y="2318428"/>
+            <a:ext cx="457200" cy="457200"/>
           </a:xfrm>
           <a:prstGeom prst="rect">
             <a:avLst/>
           </a:prstGeom>
-          <a:noFill/>
         </p:spPr>
-        <p:txBody>
-          <a:bodyPr wrap="square" rtlCol="0">
-            <a:spAutoFit/>
-          </a:bodyPr>
-          <a:lstStyle/>
-          <a:p>
-            <a:pPr algn="ctr"/>
-            <a:r>
-              <a:rPr lang="en-US" sz="1100" dirty="0">
-                <a:latin typeface="Arial" panose="020B0604020202020204" pitchFamily="34" charset="0"/>
-                <a:cs typeface="Arial" panose="020B0604020202020204" pitchFamily="34" charset="0"/>
-              </a:rPr>
-              <a:t>AWS CloudFormation</a:t>
-            </a:r>
-          </a:p>
-        </p:txBody>
-      </p:sp>
-      <p:sp>
-        <p:nvSpPr>
-          <p:cNvPr id="226" name="Oval 225">
-            <a:extLst>
-              <a:ext uri="{FF2B5EF4-FFF2-40B4-BE49-F238E27FC236}">
-                <a16:creationId xmlns:a16="http://schemas.microsoft.com/office/drawing/2014/main" id="{B075B0CF-8F6A-3947-BD02-50EB6DA85CEE}"/>
+      </p:pic>
+      <p:sp>
+        <p:nvSpPr>
+          <p:cNvPr id="4" name="Oval 3">
+            <a:extLst>
+              <a:ext uri="{FF2B5EF4-FFF2-40B4-BE49-F238E27FC236}">
+                <a16:creationId xmlns:a16="http://schemas.microsoft.com/office/drawing/2014/main" id="{A7A2E890-7181-49F6-9F30-EE3B5A21602B}"/>
               </a:ext>
             </a:extLst>
           </p:cNvPr>
@@ -4088,7 +3764,7 @@
         </p:nvSpPr>
         <p:spPr>
           <a:xfrm>
-            <a:off x="3980263" y="1924083"/>
+            <a:off x="1874421" y="2233503"/>
             <a:ext cx="253435" cy="212902"/>
           </a:xfrm>
           <a:prstGeom prst="ellipse">
@@ -4129,17 +3805,1089 @@
                 <a:latin typeface="Arial" panose="020B0604020202020204" pitchFamily="34" charset="0"/>
                 <a:cs typeface="Arial" panose="020B0604020202020204" pitchFamily="34" charset="0"/>
               </a:rPr>
-              <a:t>1.0</a:t>
-            </a:r>
-          </a:p>
-        </p:txBody>
-      </p:sp>
-      <p:sp>
-        <p:nvSpPr>
-          <p:cNvPr id="97" name="TextBox 12">
-            <a:extLst>
-              <a:ext uri="{FF2B5EF4-FFF2-40B4-BE49-F238E27FC236}">
-                <a16:creationId xmlns:a16="http://schemas.microsoft.com/office/drawing/2014/main" id="{04627C49-0E20-1B4A-A3BA-EEBAA5DE5CAE}"/>
+              <a:t>1.1</a:t>
+            </a:r>
+          </a:p>
+        </p:txBody>
+      </p:sp>
+      <p:sp>
+        <p:nvSpPr>
+          <p:cNvPr id="5" name="Oval 4">
+            <a:extLst>
+              <a:ext uri="{FF2B5EF4-FFF2-40B4-BE49-F238E27FC236}">
+                <a16:creationId xmlns:a16="http://schemas.microsoft.com/office/drawing/2014/main" id="{A770BF16-7D02-4D51-A48A-E26170FBD92C}"/>
+              </a:ext>
+            </a:extLst>
+          </p:cNvPr>
+          <p:cNvSpPr/>
+          <p:nvPr/>
+        </p:nvSpPr>
+        <p:spPr>
+          <a:xfrm>
+            <a:off x="2994902" y="4854991"/>
+            <a:ext cx="253435" cy="212902"/>
+          </a:xfrm>
+          <a:prstGeom prst="ellipse">
+            <a:avLst/>
+          </a:prstGeom>
+          <a:solidFill>
+            <a:schemeClr val="tx1"/>
+          </a:solidFill>
+          <a:ln>
+            <a:solidFill>
+              <a:schemeClr val="tx1"/>
+            </a:solidFill>
+          </a:ln>
+        </p:spPr>
+        <p:style>
+          <a:lnRef idx="2">
+            <a:schemeClr val="accent1">
+              <a:shade val="50000"/>
+            </a:schemeClr>
+          </a:lnRef>
+          <a:fillRef idx="1">
+            <a:schemeClr val="accent1"/>
+          </a:fillRef>
+          <a:effectRef idx="0">
+            <a:schemeClr val="accent1"/>
+          </a:effectRef>
+          <a:fontRef idx="minor">
+            <a:schemeClr val="lt1"/>
+          </a:fontRef>
+        </p:style>
+        <p:txBody>
+          <a:bodyPr lIns="0" tIns="0" rIns="0" bIns="0" rtlCol="0" anchor="ctr"/>
+          <a:lstStyle/>
+          <a:p>
+            <a:pPr algn="ctr"/>
+            <a:r>
+              <a:rPr lang="en-US" sz="800" dirty="0">
+                <a:latin typeface="Arial" panose="020B0604020202020204" pitchFamily="34" charset="0"/>
+                <a:cs typeface="Arial" panose="020B0604020202020204" pitchFamily="34" charset="0"/>
+              </a:rPr>
+              <a:t>1.4</a:t>
+            </a:r>
+          </a:p>
+        </p:txBody>
+      </p:sp>
+      <p:pic>
+        <p:nvPicPr>
+          <p:cNvPr id="6" name="Graphic 7">
+            <a:extLst>
+              <a:ext uri="{FF2B5EF4-FFF2-40B4-BE49-F238E27FC236}">
+                <a16:creationId xmlns:a16="http://schemas.microsoft.com/office/drawing/2014/main" id="{FCB91BD9-A047-427F-B4B0-055F34DF4765}"/>
+              </a:ext>
+            </a:extLst>
+          </p:cNvPr>
+          <p:cNvPicPr>
+            <a:picLocks noChangeAspect="1" noChangeArrowheads="1"/>
+          </p:cNvPicPr>
+          <p:nvPr/>
+        </p:nvPicPr>
+        <p:blipFill>
+          <a:blip r:embed="rId6">
+            <a:extLst>
+              <a:ext uri="{28A0092B-C50C-407E-A947-70E740481C1C}">
+                <a14:useLocalDpi xmlns:a14="http://schemas.microsoft.com/office/drawing/2010/main" val="0"/>
+              </a:ext>
+            </a:extLst>
+          </a:blip>
+          <a:srcRect/>
+          <a:stretch>
+            <a:fillRect/>
+          </a:stretch>
+        </p:blipFill>
+        <p:spPr bwMode="auto">
+          <a:xfrm>
+            <a:off x="3232139" y="2909614"/>
+            <a:ext cx="457200" cy="457200"/>
+          </a:xfrm>
+          <a:prstGeom prst="rect">
+            <a:avLst/>
+          </a:prstGeom>
+          <a:noFill/>
+          <a:ln>
+            <a:noFill/>
+          </a:ln>
+          <a:extLst>
+            <a:ext uri="{909E8E84-426E-40DD-AFC4-6F175D3DCCD1}">
+              <a14:hiddenFill xmlns:a14="http://schemas.microsoft.com/office/drawing/2010/main">
+                <a:solidFill>
+                  <a:srgbClr val="FFFFFF"/>
+                </a:solidFill>
+              </a14:hiddenFill>
+            </a:ext>
+            <a:ext uri="{91240B29-F687-4F45-9708-019B960494DF}">
+              <a14:hiddenLine xmlns:a14="http://schemas.microsoft.com/office/drawing/2010/main" w="9525">
+                <a:solidFill>
+                  <a:srgbClr val="000000"/>
+                </a:solidFill>
+                <a:miter lim="800000"/>
+                <a:headEnd/>
+                <a:tailEnd/>
+              </a14:hiddenLine>
+            </a:ext>
+          </a:extLst>
+        </p:spPr>
+      </p:pic>
+      <p:pic>
+        <p:nvPicPr>
+          <p:cNvPr id="7" name="Graphic 13">
+            <a:extLst>
+              <a:ext uri="{FF2B5EF4-FFF2-40B4-BE49-F238E27FC236}">
+                <a16:creationId xmlns:a16="http://schemas.microsoft.com/office/drawing/2014/main" id="{77D124FB-70EC-43EE-A7E8-7E3D156EF192}"/>
+              </a:ext>
+            </a:extLst>
+          </p:cNvPr>
+          <p:cNvPicPr>
+            <a:picLocks noChangeAspect="1" noChangeArrowheads="1"/>
+          </p:cNvPicPr>
+          <p:nvPr/>
+        </p:nvPicPr>
+        <p:blipFill>
+          <a:blip r:embed="rId7">
+            <a:extLst>
+              <a:ext uri="{28A0092B-C50C-407E-A947-70E740481C1C}">
+                <a14:useLocalDpi xmlns:a14="http://schemas.microsoft.com/office/drawing/2010/main" val="0"/>
+              </a:ext>
+            </a:extLst>
+          </a:blip>
+          <a:srcRect/>
+          <a:stretch>
+            <a:fillRect/>
+          </a:stretch>
+        </p:blipFill>
+        <p:spPr bwMode="auto">
+          <a:xfrm>
+            <a:off x="3232139" y="1919998"/>
+            <a:ext cx="457200" cy="457200"/>
+          </a:xfrm>
+          <a:prstGeom prst="rect">
+            <a:avLst/>
+          </a:prstGeom>
+          <a:noFill/>
+          <a:ln>
+            <a:noFill/>
+          </a:ln>
+          <a:extLst>
+            <a:ext uri="{909E8E84-426E-40DD-AFC4-6F175D3DCCD1}">
+              <a14:hiddenFill xmlns:a14="http://schemas.microsoft.com/office/drawing/2010/main">
+                <a:solidFill>
+                  <a:srgbClr val="FFFFFF"/>
+                </a:solidFill>
+              </a14:hiddenFill>
+            </a:ext>
+            <a:ext uri="{91240B29-F687-4F45-9708-019B960494DF}">
+              <a14:hiddenLine xmlns:a14="http://schemas.microsoft.com/office/drawing/2010/main" w="9525">
+                <a:solidFill>
+                  <a:srgbClr val="000000"/>
+                </a:solidFill>
+                <a:miter lim="800000"/>
+                <a:headEnd/>
+                <a:tailEnd/>
+              </a14:hiddenLine>
+            </a:ext>
+          </a:extLst>
+        </p:spPr>
+      </p:pic>
+      <p:sp>
+        <p:nvSpPr>
+          <p:cNvPr id="8" name="Rectangle 7">
+            <a:extLst>
+              <a:ext uri="{FF2B5EF4-FFF2-40B4-BE49-F238E27FC236}">
+                <a16:creationId xmlns:a16="http://schemas.microsoft.com/office/drawing/2014/main" id="{9C3EAB51-55F8-4294-AEC1-19712923E3DC}"/>
+              </a:ext>
+            </a:extLst>
+          </p:cNvPr>
+          <p:cNvSpPr/>
+          <p:nvPr/>
+        </p:nvSpPr>
+        <p:spPr>
+          <a:xfrm>
+            <a:off x="503605" y="158634"/>
+            <a:ext cx="6898306" cy="6325294"/>
+          </a:xfrm>
+          <a:prstGeom prst="rect">
+            <a:avLst/>
+          </a:prstGeom>
+          <a:noFill/>
+          <a:ln w="12700">
+            <a:solidFill>
+              <a:schemeClr val="tx1"/>
+            </a:solidFill>
+          </a:ln>
+        </p:spPr>
+        <p:style>
+          <a:lnRef idx="2">
+            <a:schemeClr val="accent1">
+              <a:shade val="50000"/>
+            </a:schemeClr>
+          </a:lnRef>
+          <a:fillRef idx="1">
+            <a:schemeClr val="accent1"/>
+          </a:fillRef>
+          <a:effectRef idx="0">
+            <a:schemeClr val="accent1"/>
+          </a:effectRef>
+          <a:fontRef idx="minor">
+            <a:schemeClr val="lt1"/>
+          </a:fontRef>
+        </p:style>
+        <p:txBody>
+          <a:bodyPr lIns="502920" tIns="91440"/>
+          <a:lstStyle/>
+          <a:p>
+            <a:pPr eaLnBrk="1" fontAlgn="auto" hangingPunct="1">
+              <a:spcBef>
+                <a:spcPts val="0"/>
+              </a:spcBef>
+              <a:spcAft>
+                <a:spcPts val="0"/>
+              </a:spcAft>
+              <a:defRPr/>
+            </a:pPr>
+            <a:r>
+              <a:rPr lang="en-US" sz="1200" dirty="0">
+                <a:solidFill>
+                  <a:sysClr val="windowText" lastClr="000000"/>
+                </a:solidFill>
+                <a:latin typeface="Arial" panose="020B0604020202020204" pitchFamily="34" charset="0"/>
+                <a:cs typeface="Arial" panose="020B0604020202020204" pitchFamily="34" charset="0"/>
+              </a:rPr>
+              <a:t>AWS Cloud</a:t>
+            </a:r>
+          </a:p>
+        </p:txBody>
+      </p:sp>
+      <p:pic>
+        <p:nvPicPr>
+          <p:cNvPr id="9" name="Graphic 8">
+            <a:extLst>
+              <a:ext uri="{FF2B5EF4-FFF2-40B4-BE49-F238E27FC236}">
+                <a16:creationId xmlns:a16="http://schemas.microsoft.com/office/drawing/2014/main" id="{71154E10-97C2-46AD-B0D1-4219285231FB}"/>
+              </a:ext>
+            </a:extLst>
+          </p:cNvPr>
+          <p:cNvPicPr>
+            <a:picLocks noChangeAspect="1"/>
+          </p:cNvPicPr>
+          <p:nvPr/>
+        </p:nvPicPr>
+        <p:blipFill>
+          <a:blip r:embed="rId8">
+            <a:extLst>
+              <a:ext uri="{96DAC541-7B7A-43D3-8B79-37D633B846F1}">
+                <asvg:svgBlip xmlns:asvg="http://schemas.microsoft.com/office/drawing/2016/SVG/main" r:embed="rId9"/>
+              </a:ext>
+            </a:extLst>
+          </a:blip>
+          <a:srcRect/>
+          <a:stretch/>
+        </p:blipFill>
+        <p:spPr>
+          <a:xfrm>
+            <a:off x="503605" y="158631"/>
+            <a:ext cx="381000" cy="381000"/>
+          </a:xfrm>
+          <a:prstGeom prst="rect">
+            <a:avLst/>
+          </a:prstGeom>
+        </p:spPr>
+      </p:pic>
+      <p:sp>
+        <p:nvSpPr>
+          <p:cNvPr id="10" name="Rectangle 9">
+            <a:extLst>
+              <a:ext uri="{FF2B5EF4-FFF2-40B4-BE49-F238E27FC236}">
+                <a16:creationId xmlns:a16="http://schemas.microsoft.com/office/drawing/2014/main" id="{5DDF4405-5786-47B6-A8D8-D86C46EE585C}"/>
+              </a:ext>
+            </a:extLst>
+          </p:cNvPr>
+          <p:cNvSpPr/>
+          <p:nvPr/>
+        </p:nvSpPr>
+        <p:spPr>
+          <a:xfrm>
+            <a:off x="657527" y="669622"/>
+            <a:ext cx="6574900" cy="5128850"/>
+          </a:xfrm>
+          <a:prstGeom prst="rect">
+            <a:avLst/>
+          </a:prstGeom>
+          <a:noFill/>
+          <a:ln w="12700">
+            <a:solidFill>
+              <a:srgbClr val="CD2264"/>
+            </a:solidFill>
+          </a:ln>
+        </p:spPr>
+        <p:style>
+          <a:lnRef idx="2">
+            <a:schemeClr val="accent1">
+              <a:shade val="50000"/>
+            </a:schemeClr>
+          </a:lnRef>
+          <a:fillRef idx="1">
+            <a:schemeClr val="accent1"/>
+          </a:fillRef>
+          <a:effectRef idx="0">
+            <a:schemeClr val="accent1"/>
+          </a:effectRef>
+          <a:fontRef idx="minor">
+            <a:schemeClr val="lt1"/>
+          </a:fontRef>
+        </p:style>
+        <p:txBody>
+          <a:bodyPr lIns="502920" tIns="91440"/>
+          <a:lstStyle/>
+          <a:p>
+            <a:pPr eaLnBrk="1" fontAlgn="auto" hangingPunct="1">
+              <a:spcBef>
+                <a:spcPts val="0"/>
+              </a:spcBef>
+              <a:spcAft>
+                <a:spcPts val="0"/>
+              </a:spcAft>
+              <a:defRPr/>
+            </a:pPr>
+            <a:r>
+              <a:rPr lang="en-US" sz="1200" dirty="0">
+                <a:solidFill>
+                  <a:srgbClr val="CD2264"/>
+                </a:solidFill>
+                <a:latin typeface="Arial" panose="020B0604020202020204" pitchFamily="34" charset="0"/>
+                <a:cs typeface="Arial" panose="020B0604020202020204" pitchFamily="34" charset="0"/>
+              </a:rPr>
+              <a:t>All Organization Accounts</a:t>
+            </a:r>
+          </a:p>
+        </p:txBody>
+      </p:sp>
+      <p:pic>
+        <p:nvPicPr>
+          <p:cNvPr id="11" name="Graphic 10">
+            <a:extLst>
+              <a:ext uri="{FF2B5EF4-FFF2-40B4-BE49-F238E27FC236}">
+                <a16:creationId xmlns:a16="http://schemas.microsoft.com/office/drawing/2014/main" id="{098A922D-DFE7-47D1-ABC7-01CD34E8EF91}"/>
+              </a:ext>
+            </a:extLst>
+          </p:cNvPr>
+          <p:cNvPicPr>
+            <a:picLocks noChangeAspect="1"/>
+          </p:cNvPicPr>
+          <p:nvPr/>
+        </p:nvPicPr>
+        <p:blipFill>
+          <a:blip r:embed="rId10">
+            <a:extLst>
+              <a:ext uri="{96DAC541-7B7A-43D3-8B79-37D633B846F1}">
+                <asvg:svgBlip xmlns:asvg="http://schemas.microsoft.com/office/drawing/2016/SVG/main" r:embed="rId11"/>
+              </a:ext>
+            </a:extLst>
+          </a:blip>
+          <a:stretch>
+            <a:fillRect/>
+          </a:stretch>
+        </p:blipFill>
+        <p:spPr>
+          <a:xfrm>
+            <a:off x="654509" y="669620"/>
+            <a:ext cx="424469" cy="424469"/>
+          </a:xfrm>
+          <a:prstGeom prst="rect">
+            <a:avLst/>
+          </a:prstGeom>
+        </p:spPr>
+      </p:pic>
+      <p:sp>
+        <p:nvSpPr>
+          <p:cNvPr id="12" name="Rectangle 11">
+            <a:extLst>
+              <a:ext uri="{FF2B5EF4-FFF2-40B4-BE49-F238E27FC236}">
+                <a16:creationId xmlns:a16="http://schemas.microsoft.com/office/drawing/2014/main" id="{6B061223-B176-4C31-8762-5A332FBD1499}"/>
+              </a:ext>
+            </a:extLst>
+          </p:cNvPr>
+          <p:cNvSpPr/>
+          <p:nvPr/>
+        </p:nvSpPr>
+        <p:spPr>
+          <a:xfrm>
+            <a:off x="1105804" y="1164703"/>
+            <a:ext cx="5633956" cy="3409580"/>
+          </a:xfrm>
+          <a:prstGeom prst="rect">
+            <a:avLst/>
+          </a:prstGeom>
+          <a:noFill/>
+          <a:ln w="12700">
+            <a:solidFill>
+              <a:srgbClr val="5B9CD5"/>
+            </a:solidFill>
+            <a:prstDash val="sysDash"/>
+          </a:ln>
+        </p:spPr>
+        <p:style>
+          <a:lnRef idx="2">
+            <a:schemeClr val="accent1">
+              <a:shade val="50000"/>
+            </a:schemeClr>
+          </a:lnRef>
+          <a:fillRef idx="1">
+            <a:schemeClr val="accent1"/>
+          </a:fillRef>
+          <a:effectRef idx="0">
+            <a:schemeClr val="accent1"/>
+          </a:effectRef>
+          <a:fontRef idx="minor">
+            <a:schemeClr val="lt1"/>
+          </a:fontRef>
+        </p:style>
+        <p:txBody>
+          <a:bodyPr lIns="502920" tIns="91440"/>
+          <a:lstStyle/>
+          <a:p>
+            <a:pPr eaLnBrk="1" fontAlgn="auto" hangingPunct="1">
+              <a:spcBef>
+                <a:spcPts val="0"/>
+              </a:spcBef>
+              <a:spcAft>
+                <a:spcPts val="0"/>
+              </a:spcAft>
+              <a:defRPr/>
+            </a:pPr>
+            <a:r>
+              <a:rPr lang="en-US" sz="1200" dirty="0">
+                <a:solidFill>
+                  <a:srgbClr val="5B9CD5"/>
+                </a:solidFill>
+                <a:latin typeface="Arial" panose="020B0604020202020204" pitchFamily="34" charset="0"/>
+                <a:cs typeface="Arial" panose="020B0604020202020204" pitchFamily="34" charset="0"/>
+              </a:rPr>
+              <a:t>Home Region</a:t>
+            </a:r>
+          </a:p>
+        </p:txBody>
+      </p:sp>
+      <p:pic>
+        <p:nvPicPr>
+          <p:cNvPr id="13" name="Graphic 12">
+            <a:extLst>
+              <a:ext uri="{FF2B5EF4-FFF2-40B4-BE49-F238E27FC236}">
+                <a16:creationId xmlns:a16="http://schemas.microsoft.com/office/drawing/2014/main" id="{D9DDF2E0-C579-4B4E-BE9A-04C13CD42938}"/>
+              </a:ext>
+            </a:extLst>
+          </p:cNvPr>
+          <p:cNvPicPr>
+            <a:picLocks noChangeAspect="1"/>
+          </p:cNvPicPr>
+          <p:nvPr/>
+        </p:nvPicPr>
+        <p:blipFill>
+          <a:blip r:embed="rId12">
+            <a:extLst>
+              <a:ext uri="{96DAC541-7B7A-43D3-8B79-37D633B846F1}">
+                <asvg:svgBlip xmlns:asvg="http://schemas.microsoft.com/office/drawing/2016/SVG/main" r:embed="rId13"/>
+              </a:ext>
+            </a:extLst>
+          </a:blip>
+          <a:stretch>
+            <a:fillRect/>
+          </a:stretch>
+        </p:blipFill>
+        <p:spPr>
+          <a:xfrm>
+            <a:off x="1096859" y="1158209"/>
+            <a:ext cx="391567" cy="391567"/>
+          </a:xfrm>
+          <a:prstGeom prst="rect">
+            <a:avLst/>
+          </a:prstGeom>
+        </p:spPr>
+      </p:pic>
+      <p:sp>
+        <p:nvSpPr>
+          <p:cNvPr id="14" name="Rectangle 13">
+            <a:extLst>
+              <a:ext uri="{FF2B5EF4-FFF2-40B4-BE49-F238E27FC236}">
+                <a16:creationId xmlns:a16="http://schemas.microsoft.com/office/drawing/2014/main" id="{CB1E074B-8468-4F26-9D9C-EA6EC286E01B}"/>
+              </a:ext>
+            </a:extLst>
+          </p:cNvPr>
+          <p:cNvSpPr/>
+          <p:nvPr/>
+        </p:nvSpPr>
+        <p:spPr>
+          <a:xfrm>
+            <a:off x="1109953" y="4665703"/>
+            <a:ext cx="5629808" cy="972968"/>
+          </a:xfrm>
+          <a:prstGeom prst="rect">
+            <a:avLst/>
+          </a:prstGeom>
+          <a:noFill/>
+          <a:ln w="12700">
+            <a:solidFill>
+              <a:srgbClr val="5B9CD5"/>
+            </a:solidFill>
+            <a:prstDash val="sysDash"/>
+          </a:ln>
+        </p:spPr>
+        <p:style>
+          <a:lnRef idx="2">
+            <a:schemeClr val="accent1">
+              <a:shade val="50000"/>
+            </a:schemeClr>
+          </a:lnRef>
+          <a:fillRef idx="1">
+            <a:schemeClr val="accent1"/>
+          </a:fillRef>
+          <a:effectRef idx="0">
+            <a:schemeClr val="accent1"/>
+          </a:effectRef>
+          <a:fontRef idx="minor">
+            <a:schemeClr val="lt1"/>
+          </a:fontRef>
+        </p:style>
+        <p:txBody>
+          <a:bodyPr lIns="502920" tIns="91440"/>
+          <a:lstStyle/>
+          <a:p>
+            <a:pPr eaLnBrk="1" fontAlgn="auto" hangingPunct="1">
+              <a:spcBef>
+                <a:spcPts val="0"/>
+              </a:spcBef>
+              <a:spcAft>
+                <a:spcPts val="0"/>
+              </a:spcAft>
+              <a:defRPr/>
+            </a:pPr>
+            <a:r>
+              <a:rPr lang="en-US" sz="1200" dirty="0">
+                <a:solidFill>
+                  <a:srgbClr val="5B9CD5"/>
+                </a:solidFill>
+                <a:latin typeface="Arial" panose="020B0604020202020204" pitchFamily="34" charset="0"/>
+                <a:cs typeface="Arial" panose="020B0604020202020204" pitchFamily="34" charset="0"/>
+              </a:rPr>
+              <a:t>Global Region</a:t>
+            </a:r>
+          </a:p>
+        </p:txBody>
+      </p:sp>
+      <p:pic>
+        <p:nvPicPr>
+          <p:cNvPr id="15" name="Graphic 14">
+            <a:extLst>
+              <a:ext uri="{FF2B5EF4-FFF2-40B4-BE49-F238E27FC236}">
+                <a16:creationId xmlns:a16="http://schemas.microsoft.com/office/drawing/2014/main" id="{57D0FD23-0AB9-4B22-B208-4E40914843D2}"/>
+              </a:ext>
+            </a:extLst>
+          </p:cNvPr>
+          <p:cNvPicPr>
+            <a:picLocks noChangeAspect="1"/>
+          </p:cNvPicPr>
+          <p:nvPr/>
+        </p:nvPicPr>
+        <p:blipFill>
+          <a:blip r:embed="rId12">
+            <a:extLst>
+              <a:ext uri="{96DAC541-7B7A-43D3-8B79-37D633B846F1}">
+                <asvg:svgBlip xmlns:asvg="http://schemas.microsoft.com/office/drawing/2016/SVG/main" r:embed="rId13"/>
+              </a:ext>
+            </a:extLst>
+          </a:blip>
+          <a:stretch>
+            <a:fillRect/>
+          </a:stretch>
+        </p:blipFill>
+        <p:spPr>
+          <a:xfrm>
+            <a:off x="1101008" y="4659208"/>
+            <a:ext cx="391567" cy="391567"/>
+          </a:xfrm>
+          <a:prstGeom prst="rect">
+            <a:avLst/>
+          </a:prstGeom>
+        </p:spPr>
+      </p:pic>
+      <p:sp>
+        <p:nvSpPr>
+          <p:cNvPr id="16" name="Oval 15">
+            <a:extLst>
+              <a:ext uri="{FF2B5EF4-FFF2-40B4-BE49-F238E27FC236}">
+                <a16:creationId xmlns:a16="http://schemas.microsoft.com/office/drawing/2014/main" id="{D830E6D5-6432-4E0C-B3F0-E2348691F481}"/>
+              </a:ext>
+            </a:extLst>
+          </p:cNvPr>
+          <p:cNvSpPr/>
+          <p:nvPr/>
+        </p:nvSpPr>
+        <p:spPr>
+          <a:xfrm>
+            <a:off x="3158869" y="1849267"/>
+            <a:ext cx="253435" cy="212902"/>
+          </a:xfrm>
+          <a:prstGeom prst="ellipse">
+            <a:avLst/>
+          </a:prstGeom>
+          <a:solidFill>
+            <a:schemeClr val="tx1"/>
+          </a:solidFill>
+          <a:ln>
+            <a:solidFill>
+              <a:schemeClr val="tx1"/>
+            </a:solidFill>
+          </a:ln>
+        </p:spPr>
+        <p:style>
+          <a:lnRef idx="2">
+            <a:schemeClr val="accent1">
+              <a:shade val="50000"/>
+            </a:schemeClr>
+          </a:lnRef>
+          <a:fillRef idx="1">
+            <a:schemeClr val="accent1"/>
+          </a:fillRef>
+          <a:effectRef idx="0">
+            <a:schemeClr val="accent1"/>
+          </a:effectRef>
+          <a:fontRef idx="minor">
+            <a:schemeClr val="lt1"/>
+          </a:fontRef>
+        </p:style>
+        <p:txBody>
+          <a:bodyPr lIns="0" tIns="0" rIns="0" bIns="0" rtlCol="0" anchor="ctr"/>
+          <a:lstStyle/>
+          <a:p>
+            <a:pPr algn="ctr"/>
+            <a:r>
+              <a:rPr lang="en-US" sz="800" dirty="0">
+                <a:latin typeface="Arial" panose="020B0604020202020204" pitchFamily="34" charset="0"/>
+                <a:cs typeface="Arial" panose="020B0604020202020204" pitchFamily="34" charset="0"/>
+              </a:rPr>
+              <a:t>1.2</a:t>
+            </a:r>
+          </a:p>
+        </p:txBody>
+      </p:sp>
+      <p:sp>
+        <p:nvSpPr>
+          <p:cNvPr id="17" name="Oval 16">
+            <a:extLst>
+              <a:ext uri="{FF2B5EF4-FFF2-40B4-BE49-F238E27FC236}">
+                <a16:creationId xmlns:a16="http://schemas.microsoft.com/office/drawing/2014/main" id="{CAB7FF1C-2381-426B-97B0-7F3FEFAB1A25}"/>
+              </a:ext>
+            </a:extLst>
+          </p:cNvPr>
+          <p:cNvSpPr/>
+          <p:nvPr/>
+        </p:nvSpPr>
+        <p:spPr>
+          <a:xfrm>
+            <a:off x="3085565" y="2872234"/>
+            <a:ext cx="253435" cy="212902"/>
+          </a:xfrm>
+          <a:prstGeom prst="ellipse">
+            <a:avLst/>
+          </a:prstGeom>
+          <a:solidFill>
+            <a:schemeClr val="tx1"/>
+          </a:solidFill>
+          <a:ln>
+            <a:solidFill>
+              <a:schemeClr val="tx1"/>
+            </a:solidFill>
+          </a:ln>
+        </p:spPr>
+        <p:style>
+          <a:lnRef idx="2">
+            <a:schemeClr val="accent1">
+              <a:shade val="50000"/>
+            </a:schemeClr>
+          </a:lnRef>
+          <a:fillRef idx="1">
+            <a:schemeClr val="accent1"/>
+          </a:fillRef>
+          <a:effectRef idx="0">
+            <a:schemeClr val="accent1"/>
+          </a:effectRef>
+          <a:fontRef idx="minor">
+            <a:schemeClr val="lt1"/>
+          </a:fontRef>
+        </p:style>
+        <p:txBody>
+          <a:bodyPr lIns="0" tIns="0" rIns="0" bIns="0" rtlCol="0" anchor="ctr"/>
+          <a:lstStyle/>
+          <a:p>
+            <a:pPr algn="ctr"/>
+            <a:r>
+              <a:rPr lang="en-US" sz="800" dirty="0">
+                <a:latin typeface="Arial" panose="020B0604020202020204" pitchFamily="34" charset="0"/>
+                <a:cs typeface="Arial" panose="020B0604020202020204" pitchFamily="34" charset="0"/>
+              </a:rPr>
+              <a:t>1.4</a:t>
+            </a:r>
+          </a:p>
+        </p:txBody>
+      </p:sp>
+      <p:sp>
+        <p:nvSpPr>
+          <p:cNvPr id="18" name="TextBox 2">
+            <a:extLst>
+              <a:ext uri="{FF2B5EF4-FFF2-40B4-BE49-F238E27FC236}">
+                <a16:creationId xmlns:a16="http://schemas.microsoft.com/office/drawing/2014/main" id="{7552214B-346F-4B0A-8F99-C1194315C082}"/>
+              </a:ext>
+            </a:extLst>
+          </p:cNvPr>
+          <p:cNvSpPr txBox="1"/>
+          <p:nvPr/>
+        </p:nvSpPr>
+        <p:spPr>
+          <a:xfrm>
+            <a:off x="2815496" y="2304279"/>
+            <a:ext cx="1427732" cy="261610"/>
+          </a:xfrm>
+          <a:prstGeom prst="rect">
+            <a:avLst/>
+          </a:prstGeom>
+          <a:noFill/>
+        </p:spPr>
+        <p:style>
+          <a:lnRef idx="0">
+            <a:scrgbClr r="0" g="0" b="0"/>
+          </a:lnRef>
+          <a:fillRef idx="0">
+            <a:scrgbClr r="0" g="0" b="0"/>
+          </a:fillRef>
+          <a:effectRef idx="0">
+            <a:scrgbClr r="0" g="0" b="0"/>
+          </a:effectRef>
+          <a:fontRef idx="major"/>
+        </p:style>
+        <p:txBody>
+          <a:bodyPr wrap="square" rtlCol="0">
+            <a:spAutoFit/>
+          </a:bodyPr>
+          <a:lstStyle>
+            <a:lvl1pPr>
+              <a:defRPr>
+                <a:latin typeface="+mj-lt"/>
+                <a:ea typeface="+mj-ea"/>
+                <a:cs typeface="+mj-cs"/>
+              </a:defRPr>
+            </a:lvl1pPr>
+            <a:lvl2pPr>
+              <a:defRPr>
+                <a:latin typeface="+mj-lt"/>
+                <a:ea typeface="+mj-ea"/>
+                <a:cs typeface="+mj-cs"/>
+              </a:defRPr>
+            </a:lvl2pPr>
+            <a:lvl3pPr>
+              <a:defRPr>
+                <a:latin typeface="+mj-lt"/>
+                <a:ea typeface="+mj-ea"/>
+                <a:cs typeface="+mj-cs"/>
+              </a:defRPr>
+            </a:lvl3pPr>
+            <a:lvl4pPr>
+              <a:defRPr>
+                <a:latin typeface="+mj-lt"/>
+                <a:ea typeface="+mj-ea"/>
+                <a:cs typeface="+mj-cs"/>
+              </a:defRPr>
+            </a:lvl4pPr>
+            <a:lvl5pPr>
+              <a:defRPr>
+                <a:latin typeface="+mj-lt"/>
+                <a:ea typeface="+mj-ea"/>
+                <a:cs typeface="+mj-cs"/>
+              </a:defRPr>
+            </a:lvl5pPr>
+            <a:lvl6pPr>
+              <a:defRPr>
+                <a:latin typeface="+mj-lt"/>
+                <a:ea typeface="+mj-ea"/>
+                <a:cs typeface="+mj-cs"/>
+              </a:defRPr>
+            </a:lvl6pPr>
+            <a:lvl7pPr>
+              <a:defRPr>
+                <a:latin typeface="+mj-lt"/>
+                <a:ea typeface="+mj-ea"/>
+                <a:cs typeface="+mj-cs"/>
+              </a:defRPr>
+            </a:lvl7pPr>
+            <a:lvl8pPr>
+              <a:defRPr>
+                <a:latin typeface="+mj-lt"/>
+                <a:ea typeface="+mj-ea"/>
+                <a:cs typeface="+mj-cs"/>
+              </a:defRPr>
+            </a:lvl8pPr>
+            <a:lvl9pPr>
+              <a:defRPr>
+                <a:latin typeface="+mj-lt"/>
+                <a:ea typeface="+mj-ea"/>
+                <a:cs typeface="+mj-cs"/>
+              </a:defRPr>
+            </a:lvl9pPr>
+          </a:lstStyle>
+          <a:p>
+            <a:pPr algn="ctr"/>
+            <a:r>
+              <a:rPr lang="en-US" sz="1100" dirty="0">
+                <a:latin typeface="Arial" panose="020B0604020202020204" pitchFamily="34" charset="0"/>
+                <a:cs typeface="Arial" panose="020B0604020202020204" pitchFamily="34" charset="0"/>
+              </a:rPr>
+              <a:t>Lambda Function</a:t>
+            </a:r>
+          </a:p>
+        </p:txBody>
+      </p:sp>
+      <p:sp>
+        <p:nvSpPr>
+          <p:cNvPr id="19" name="TextBox 2">
+            <a:extLst>
+              <a:ext uri="{FF2B5EF4-FFF2-40B4-BE49-F238E27FC236}">
+                <a16:creationId xmlns:a16="http://schemas.microsoft.com/office/drawing/2014/main" id="{2D320E5A-0E6B-4F26-8521-25C43C2BFAA1}"/>
+              </a:ext>
+            </a:extLst>
+          </p:cNvPr>
+          <p:cNvSpPr txBox="1"/>
+          <p:nvPr/>
+        </p:nvSpPr>
+        <p:spPr>
+          <a:xfrm>
+            <a:off x="2881542" y="3283917"/>
+            <a:ext cx="1103001" cy="430887"/>
+          </a:xfrm>
+          <a:prstGeom prst="rect">
+            <a:avLst/>
+          </a:prstGeom>
+          <a:noFill/>
+        </p:spPr>
+        <p:style>
+          <a:lnRef idx="0">
+            <a:scrgbClr r="0" g="0" b="0"/>
+          </a:lnRef>
+          <a:fillRef idx="0">
+            <a:scrgbClr r="0" g="0" b="0"/>
+          </a:fillRef>
+          <a:effectRef idx="0">
+            <a:scrgbClr r="0" g="0" b="0"/>
+          </a:effectRef>
+          <a:fontRef idx="major"/>
+        </p:style>
+        <p:txBody>
+          <a:bodyPr wrap="square" rtlCol="0">
+            <a:spAutoFit/>
+          </a:bodyPr>
+          <a:lstStyle>
+            <a:lvl1pPr>
+              <a:defRPr>
+                <a:latin typeface="+mj-lt"/>
+                <a:ea typeface="+mj-ea"/>
+                <a:cs typeface="+mj-cs"/>
+              </a:defRPr>
+            </a:lvl1pPr>
+            <a:lvl2pPr>
+              <a:defRPr>
+                <a:latin typeface="+mj-lt"/>
+                <a:ea typeface="+mj-ea"/>
+                <a:cs typeface="+mj-cs"/>
+              </a:defRPr>
+            </a:lvl2pPr>
+            <a:lvl3pPr>
+              <a:defRPr>
+                <a:latin typeface="+mj-lt"/>
+                <a:ea typeface="+mj-ea"/>
+                <a:cs typeface="+mj-cs"/>
+              </a:defRPr>
+            </a:lvl3pPr>
+            <a:lvl4pPr>
+              <a:defRPr>
+                <a:latin typeface="+mj-lt"/>
+                <a:ea typeface="+mj-ea"/>
+                <a:cs typeface="+mj-cs"/>
+              </a:defRPr>
+            </a:lvl4pPr>
+            <a:lvl5pPr>
+              <a:defRPr>
+                <a:latin typeface="+mj-lt"/>
+                <a:ea typeface="+mj-ea"/>
+                <a:cs typeface="+mj-cs"/>
+              </a:defRPr>
+            </a:lvl5pPr>
+            <a:lvl6pPr>
+              <a:defRPr>
+                <a:latin typeface="+mj-lt"/>
+                <a:ea typeface="+mj-ea"/>
+                <a:cs typeface="+mj-cs"/>
+              </a:defRPr>
+            </a:lvl6pPr>
+            <a:lvl7pPr>
+              <a:defRPr>
+                <a:latin typeface="+mj-lt"/>
+                <a:ea typeface="+mj-ea"/>
+                <a:cs typeface="+mj-cs"/>
+              </a:defRPr>
+            </a:lvl7pPr>
+            <a:lvl8pPr>
+              <a:defRPr>
+                <a:latin typeface="+mj-lt"/>
+                <a:ea typeface="+mj-ea"/>
+                <a:cs typeface="+mj-cs"/>
+              </a:defRPr>
+            </a:lvl8pPr>
+            <a:lvl9pPr>
+              <a:defRPr>
+                <a:latin typeface="+mj-lt"/>
+                <a:ea typeface="+mj-ea"/>
+                <a:cs typeface="+mj-cs"/>
+              </a:defRPr>
+            </a:lvl9pPr>
+          </a:lstStyle>
+          <a:p>
+            <a:pPr algn="ctr"/>
+            <a:r>
+              <a:rPr lang="en-US" sz="1100" dirty="0">
+                <a:latin typeface="Arial" panose="020B0604020202020204" pitchFamily="34" charset="0"/>
+                <a:cs typeface="Arial" panose="020B0604020202020204" pitchFamily="34" charset="0"/>
+              </a:rPr>
+              <a:t>CloudWatch Log Group</a:t>
+            </a:r>
+          </a:p>
+        </p:txBody>
+      </p:sp>
+      <p:sp>
+        <p:nvSpPr>
+          <p:cNvPr id="20" name="TextBox 19">
+            <a:extLst>
+              <a:ext uri="{FF2B5EF4-FFF2-40B4-BE49-F238E27FC236}">
+                <a16:creationId xmlns:a16="http://schemas.microsoft.com/office/drawing/2014/main" id="{D26A6E09-7D1B-4A70-AD14-2CD708EBE3D1}"/>
+              </a:ext>
+            </a:extLst>
+          </p:cNvPr>
+          <p:cNvSpPr txBox="1"/>
+          <p:nvPr/>
+        </p:nvSpPr>
+        <p:spPr>
+          <a:xfrm>
+            <a:off x="1544660" y="2758108"/>
+            <a:ext cx="1307240" cy="430887"/>
+          </a:xfrm>
+          <a:prstGeom prst="rect">
+            <a:avLst/>
+          </a:prstGeom>
+          <a:noFill/>
+        </p:spPr>
+        <p:txBody>
+          <a:bodyPr wrap="square" rtlCol="0">
+            <a:spAutoFit/>
+          </a:bodyPr>
+          <a:lstStyle/>
+          <a:p>
+            <a:pPr algn="ctr"/>
+            <a:r>
+              <a:rPr lang="en-US" sz="1100" dirty="0">
+                <a:latin typeface="Arial" panose="020B0604020202020204" pitchFamily="34" charset="0"/>
+                <a:cs typeface="Arial" panose="020B0604020202020204" pitchFamily="34" charset="0"/>
+              </a:rPr>
+              <a:t>AWS CloudFormation</a:t>
+            </a:r>
+          </a:p>
+        </p:txBody>
+      </p:sp>
+      <p:cxnSp>
+        <p:nvCxnSpPr>
+          <p:cNvPr id="21" name="Straight Arrow Connector 20">
+            <a:extLst>
+              <a:ext uri="{FF2B5EF4-FFF2-40B4-BE49-F238E27FC236}">
+                <a16:creationId xmlns:a16="http://schemas.microsoft.com/office/drawing/2014/main" id="{66080C7E-93B1-43D6-B0DB-B70933E7164B}"/>
+              </a:ext>
+            </a:extLst>
+          </p:cNvPr>
+          <p:cNvCxnSpPr>
+            <a:cxnSpLocks/>
+          </p:cNvCxnSpPr>
+          <p:nvPr/>
+        </p:nvCxnSpPr>
+        <p:spPr>
+          <a:xfrm>
+            <a:off x="3460340" y="2590047"/>
+            <a:ext cx="399" cy="319567"/>
+          </a:xfrm>
+          <a:prstGeom prst="straightConnector1">
+            <a:avLst/>
+          </a:prstGeom>
+          <a:ln>
+            <a:tailEnd type="triangle"/>
+          </a:ln>
+        </p:spPr>
+        <p:style>
+          <a:lnRef idx="1">
+            <a:schemeClr val="dk1"/>
+          </a:lnRef>
+          <a:fillRef idx="0">
+            <a:schemeClr val="dk1"/>
+          </a:fillRef>
+          <a:effectRef idx="0">
+            <a:schemeClr val="dk1"/>
+          </a:effectRef>
+          <a:fontRef idx="minor">
+            <a:schemeClr val="tx1"/>
+          </a:fontRef>
+        </p:style>
+      </p:cxnSp>
+      <p:cxnSp>
+        <p:nvCxnSpPr>
+          <p:cNvPr id="22" name="Straight Arrow Connector 21">
+            <a:extLst>
+              <a:ext uri="{FF2B5EF4-FFF2-40B4-BE49-F238E27FC236}">
+                <a16:creationId xmlns:a16="http://schemas.microsoft.com/office/drawing/2014/main" id="{A65589F8-8DD5-4961-A885-9EFBEE3F1D21}"/>
+              </a:ext>
+            </a:extLst>
+          </p:cNvPr>
+          <p:cNvCxnSpPr>
+            <a:cxnSpLocks/>
+          </p:cNvCxnSpPr>
+          <p:nvPr/>
+        </p:nvCxnSpPr>
+        <p:spPr>
+          <a:xfrm>
+            <a:off x="4020301" y="2147101"/>
+            <a:ext cx="869156" cy="1497"/>
+          </a:xfrm>
+          <a:prstGeom prst="straightConnector1">
+            <a:avLst/>
+          </a:prstGeom>
+          <a:ln>
+            <a:tailEnd type="triangle"/>
+          </a:ln>
+        </p:spPr>
+        <p:style>
+          <a:lnRef idx="1">
+            <a:schemeClr val="dk1"/>
+          </a:lnRef>
+          <a:fillRef idx="0">
+            <a:schemeClr val="dk1"/>
+          </a:fillRef>
+          <a:effectRef idx="0">
+            <a:schemeClr val="dk1"/>
+          </a:effectRef>
+          <a:fontRef idx="minor">
+            <a:schemeClr val="tx1"/>
+          </a:fontRef>
+        </p:style>
+      </p:cxnSp>
+      <p:sp>
+        <p:nvSpPr>
+          <p:cNvPr id="23" name="TextBox 12">
+            <a:extLst>
+              <a:ext uri="{FF2B5EF4-FFF2-40B4-BE49-F238E27FC236}">
+                <a16:creationId xmlns:a16="http://schemas.microsoft.com/office/drawing/2014/main" id="{5EB8F6D2-8C10-4888-AB20-C639F04680BA}"/>
               </a:ext>
             </a:extLst>
           </p:cNvPr>
@@ -4150,7 +4898,7 @@
         </p:nvSpPr>
         <p:spPr bwMode="auto">
           <a:xfrm>
-            <a:off x="6738809" y="2979929"/>
+            <a:off x="4724983" y="2345896"/>
             <a:ext cx="1295449" cy="430887"/>
           </a:xfrm>
           <a:prstGeom prst="rect">
@@ -4308,10 +5056,10 @@
       </p:sp>
       <p:pic>
         <p:nvPicPr>
-          <p:cNvPr id="48" name="Graphic 21">
-            <a:extLst>
-              <a:ext uri="{FF2B5EF4-FFF2-40B4-BE49-F238E27FC236}">
-                <a16:creationId xmlns:a16="http://schemas.microsoft.com/office/drawing/2014/main" id="{C535E212-D1DB-CB48-AC9C-F66ABB3334F0}"/>
+          <p:cNvPr id="24" name="Graphic 19">
+            <a:extLst>
+              <a:ext uri="{FF2B5EF4-FFF2-40B4-BE49-F238E27FC236}">
+                <a16:creationId xmlns:a16="http://schemas.microsoft.com/office/drawing/2014/main" id="{A45C3860-8588-40B4-994C-48F4EB41DB43}"/>
               </a:ext>
             </a:extLst>
           </p:cNvPr>
@@ -4321,7 +5069,7 @@
           <p:nvPr/>
         </p:nvPicPr>
         <p:blipFill>
-          <a:blip r:embed="rId5">
+          <a:blip r:embed="rId14">
             <a:extLst>
               <a:ext uri="{28A0092B-C50C-407E-A947-70E740481C1C}">
                 <a14:useLocalDpi xmlns:a14="http://schemas.microsoft.com/office/drawing/2010/main" val="0"/>
@@ -4335,7 +5083,7 @@
         </p:blipFill>
         <p:spPr bwMode="auto">
           <a:xfrm>
-            <a:off x="4437623" y="2582955"/>
+            <a:off x="5166553" y="1888696"/>
             <a:ext cx="457200" cy="457200"/>
           </a:xfrm>
           <a:prstGeom prst="rect">
@@ -4368,10 +5116,10 @@
       </p:pic>
       <p:sp>
         <p:nvSpPr>
-          <p:cNvPr id="227" name="Oval 226">
-            <a:extLst>
-              <a:ext uri="{FF2B5EF4-FFF2-40B4-BE49-F238E27FC236}">
-                <a16:creationId xmlns:a16="http://schemas.microsoft.com/office/drawing/2014/main" id="{F0D1735B-0005-B145-8C48-3E3934A1D64E}"/>
+          <p:cNvPr id="25" name="Oval 24">
+            <a:extLst>
+              <a:ext uri="{FF2B5EF4-FFF2-40B4-BE49-F238E27FC236}">
+                <a16:creationId xmlns:a16="http://schemas.microsoft.com/office/drawing/2014/main" id="{9A85AF00-ADAE-488A-A263-E537FD5FBED0}"/>
               </a:ext>
             </a:extLst>
           </p:cNvPr>
@@ -4380,7 +5128,7 @@
         </p:nvSpPr>
         <p:spPr>
           <a:xfrm>
-            <a:off x="4456370" y="2593231"/>
+            <a:off x="5046096" y="1799920"/>
             <a:ext cx="253435" cy="212902"/>
           </a:xfrm>
           <a:prstGeom prst="ellipse">
@@ -4421,607 +5169,43 @@
                 <a:latin typeface="Arial" panose="020B0604020202020204" pitchFamily="34" charset="0"/>
                 <a:cs typeface="Arial" panose="020B0604020202020204" pitchFamily="34" charset="0"/>
               </a:rPr>
-              <a:t>1.1</a:t>
-            </a:r>
-          </a:p>
-        </p:txBody>
-      </p:sp>
-      <p:sp>
-        <p:nvSpPr>
-          <p:cNvPr id="50" name="TextBox 17">
-            <a:extLst>
-              <a:ext uri="{FF2B5EF4-FFF2-40B4-BE49-F238E27FC236}">
-                <a16:creationId xmlns:a16="http://schemas.microsoft.com/office/drawing/2014/main" id="{EDB9D562-36EF-1945-8C01-C8FE5F3CF5D7}"/>
-              </a:ext>
-            </a:extLst>
-          </p:cNvPr>
-          <p:cNvSpPr txBox="1">
-            <a:spLocks noChangeArrowheads="1"/>
-          </p:cNvSpPr>
+              <a:t>1.5</a:t>
+            </a:r>
+          </a:p>
+        </p:txBody>
+      </p:sp>
+      <p:sp>
+        <p:nvSpPr>
+          <p:cNvPr id="26" name="TextBox 25">
+            <a:extLst>
+              <a:ext uri="{FF2B5EF4-FFF2-40B4-BE49-F238E27FC236}">
+                <a16:creationId xmlns:a16="http://schemas.microsoft.com/office/drawing/2014/main" id="{DB1E9092-A7B4-4CF2-A383-15346BE0E9CA}"/>
+              </a:ext>
+            </a:extLst>
+          </p:cNvPr>
+          <p:cNvSpPr txBox="1"/>
           <p:nvPr/>
         </p:nvSpPr>
-        <p:spPr bwMode="auto">
+        <p:spPr>
           <a:xfrm>
-            <a:off x="5367386" y="3038565"/>
-            <a:ext cx="1362074" cy="261610"/>
+            <a:off x="2739787" y="5184455"/>
+            <a:ext cx="1103001" cy="261610"/>
           </a:xfrm>
           <a:prstGeom prst="rect">
             <a:avLst/>
           </a:prstGeom>
           <a:noFill/>
-          <a:ln>
-            <a:noFill/>
-          </a:ln>
-          <a:extLst>
-            <a:ext uri="{909E8E84-426E-40DD-AFC4-6F175D3DCCD1}">
-              <a14:hiddenFill xmlns:a14="http://schemas.microsoft.com/office/drawing/2010/main">
-                <a:solidFill>
-                  <a:srgbClr val="FFFFFF"/>
-                </a:solidFill>
-              </a14:hiddenFill>
-            </a:ext>
-            <a:ext uri="{91240B29-F687-4F45-9708-019B960494DF}">
-              <a14:hiddenLine xmlns:a14="http://schemas.microsoft.com/office/drawing/2010/main" w="9525">
-                <a:solidFill>
-                  <a:srgbClr val="000000"/>
-                </a:solidFill>
-                <a:miter lim="800000"/>
-                <a:headEnd/>
-                <a:tailEnd/>
-              </a14:hiddenLine>
-            </a:ext>
-          </a:extLst>
         </p:spPr>
         <p:txBody>
-          <a:bodyPr wrap="square">
+          <a:bodyPr wrap="square" rtlCol="0">
             <a:spAutoFit/>
           </a:bodyPr>
-          <a:lstStyle>
-            <a:lvl1pPr>
-              <a:defRPr>
-                <a:solidFill>
-                  <a:schemeClr val="tx1"/>
-                </a:solidFill>
-                <a:latin typeface="Calibri" panose="020F0502020204030204" pitchFamily="34" charset="0"/>
-              </a:defRPr>
-            </a:lvl1pPr>
-            <a:lvl2pPr marL="742950" indent="-285750">
-              <a:defRPr>
-                <a:solidFill>
-                  <a:schemeClr val="tx1"/>
-                </a:solidFill>
-                <a:latin typeface="Calibri" panose="020F0502020204030204" pitchFamily="34" charset="0"/>
-              </a:defRPr>
-            </a:lvl2pPr>
-            <a:lvl3pPr marL="1143000" indent="-228600">
-              <a:defRPr>
-                <a:solidFill>
-                  <a:schemeClr val="tx1"/>
-                </a:solidFill>
-                <a:latin typeface="Calibri" panose="020F0502020204030204" pitchFamily="34" charset="0"/>
-              </a:defRPr>
-            </a:lvl3pPr>
-            <a:lvl4pPr marL="1600200" indent="-228600">
-              <a:defRPr>
-                <a:solidFill>
-                  <a:schemeClr val="tx1"/>
-                </a:solidFill>
-                <a:latin typeface="Calibri" panose="020F0502020204030204" pitchFamily="34" charset="0"/>
-              </a:defRPr>
-            </a:lvl4pPr>
-            <a:lvl5pPr marL="2057400" indent="-228600">
-              <a:defRPr>
-                <a:solidFill>
-                  <a:schemeClr val="tx1"/>
-                </a:solidFill>
-                <a:latin typeface="Calibri" panose="020F0502020204030204" pitchFamily="34" charset="0"/>
-              </a:defRPr>
-            </a:lvl5pPr>
-            <a:lvl6pPr marL="2514600" indent="-228600" eaLnBrk="0" fontAlgn="base" hangingPunct="0">
-              <a:spcBef>
-                <a:spcPct val="0"/>
-              </a:spcBef>
-              <a:spcAft>
-                <a:spcPct val="0"/>
-              </a:spcAft>
-              <a:defRPr>
-                <a:solidFill>
-                  <a:schemeClr val="tx1"/>
-                </a:solidFill>
-                <a:latin typeface="Calibri" panose="020F0502020204030204" pitchFamily="34" charset="0"/>
-              </a:defRPr>
-            </a:lvl6pPr>
-            <a:lvl7pPr marL="2971800" indent="-228600" eaLnBrk="0" fontAlgn="base" hangingPunct="0">
-              <a:spcBef>
-                <a:spcPct val="0"/>
-              </a:spcBef>
-              <a:spcAft>
-                <a:spcPct val="0"/>
-              </a:spcAft>
-              <a:defRPr>
-                <a:solidFill>
-                  <a:schemeClr val="tx1"/>
-                </a:solidFill>
-                <a:latin typeface="Calibri" panose="020F0502020204030204" pitchFamily="34" charset="0"/>
-              </a:defRPr>
-            </a:lvl7pPr>
-            <a:lvl8pPr marL="3429000" indent="-228600" eaLnBrk="0" fontAlgn="base" hangingPunct="0">
-              <a:spcBef>
-                <a:spcPct val="0"/>
-              </a:spcBef>
-              <a:spcAft>
-                <a:spcPct val="0"/>
-              </a:spcAft>
-              <a:defRPr>
-                <a:solidFill>
-                  <a:schemeClr val="tx1"/>
-                </a:solidFill>
-                <a:latin typeface="Calibri" panose="020F0502020204030204" pitchFamily="34" charset="0"/>
-              </a:defRPr>
-            </a:lvl8pPr>
-            <a:lvl9pPr marL="3886200" indent="-228600" eaLnBrk="0" fontAlgn="base" hangingPunct="0">
-              <a:spcBef>
-                <a:spcPct val="0"/>
-              </a:spcBef>
-              <a:spcAft>
-                <a:spcPct val="0"/>
-              </a:spcAft>
-              <a:defRPr>
-                <a:solidFill>
-                  <a:schemeClr val="tx1"/>
-                </a:solidFill>
-                <a:latin typeface="Calibri" panose="020F0502020204030204" pitchFamily="34" charset="0"/>
-              </a:defRPr>
-            </a:lvl9pPr>
-          </a:lstStyle>
-          <a:p>
-            <a:pPr algn="ctr" eaLnBrk="1" hangingPunct="1"/>
-            <a:r>
-              <a:rPr lang="en-US" altLang="en-US" sz="1100" dirty="0">
+          <a:lstStyle/>
+          <a:p>
+            <a:pPr algn="ctr"/>
+            <a:r>
+              <a:rPr lang="en-US" sz="1100" dirty="0">
                 <a:latin typeface="Arial" panose="020B0604020202020204" pitchFamily="34" charset="0"/>
-                <a:ea typeface="Amazon Ember" panose="020B0603020204020204" pitchFamily="34" charset="0"/>
-                <a:cs typeface="Arial" panose="020B0604020202020204" pitchFamily="34" charset="0"/>
-              </a:rPr>
-              <a:t>Lambda Function</a:t>
-            </a:r>
-          </a:p>
-        </p:txBody>
-      </p:sp>
-      <p:pic>
-        <p:nvPicPr>
-          <p:cNvPr id="51" name="Graphic 13">
-            <a:extLst>
-              <a:ext uri="{FF2B5EF4-FFF2-40B4-BE49-F238E27FC236}">
-                <a16:creationId xmlns:a16="http://schemas.microsoft.com/office/drawing/2014/main" id="{50BDD637-D4B1-E84B-A4F4-6C8300DE00CE}"/>
-              </a:ext>
-            </a:extLst>
-          </p:cNvPr>
-          <p:cNvPicPr>
-            <a:picLocks noChangeAspect="1" noChangeArrowheads="1"/>
-          </p:cNvPicPr>
-          <p:nvPr/>
-        </p:nvPicPr>
-        <p:blipFill>
-          <a:blip r:embed="rId6">
-            <a:extLst>
-              <a:ext uri="{28A0092B-C50C-407E-A947-70E740481C1C}">
-                <a14:useLocalDpi xmlns:a14="http://schemas.microsoft.com/office/drawing/2010/main" val="0"/>
-              </a:ext>
-            </a:extLst>
-          </a:blip>
-          <a:srcRect/>
-          <a:stretch>
-            <a:fillRect/>
-          </a:stretch>
-        </p:blipFill>
-        <p:spPr bwMode="auto">
-          <a:xfrm>
-            <a:off x="5828312" y="2559140"/>
-            <a:ext cx="457200" cy="457200"/>
-          </a:xfrm>
-          <a:prstGeom prst="rect">
-            <a:avLst/>
-          </a:prstGeom>
-          <a:noFill/>
-          <a:ln>
-            <a:noFill/>
-          </a:ln>
-          <a:extLst>
-            <a:ext uri="{909E8E84-426E-40DD-AFC4-6F175D3DCCD1}">
-              <a14:hiddenFill xmlns:a14="http://schemas.microsoft.com/office/drawing/2010/main">
-                <a:solidFill>
-                  <a:srgbClr val="FFFFFF"/>
-                </a:solidFill>
-              </a14:hiddenFill>
-            </a:ext>
-            <a:ext uri="{91240B29-F687-4F45-9708-019B960494DF}">
-              <a14:hiddenLine xmlns:a14="http://schemas.microsoft.com/office/drawing/2010/main" w="9525">
-                <a:solidFill>
-                  <a:srgbClr val="000000"/>
-                </a:solidFill>
-                <a:miter lim="800000"/>
-                <a:headEnd/>
-                <a:tailEnd/>
-              </a14:hiddenLine>
-            </a:ext>
-          </a:extLst>
-        </p:spPr>
-      </p:pic>
-      <p:pic>
-        <p:nvPicPr>
-          <p:cNvPr id="52" name="Graphic 7">
-            <a:extLst>
-              <a:ext uri="{FF2B5EF4-FFF2-40B4-BE49-F238E27FC236}">
-                <a16:creationId xmlns:a16="http://schemas.microsoft.com/office/drawing/2014/main" id="{DC9D2C50-A64E-6840-851F-FFF73BCA1C29}"/>
-              </a:ext>
-            </a:extLst>
-          </p:cNvPr>
-          <p:cNvPicPr>
-            <a:picLocks noChangeAspect="1" noChangeArrowheads="1"/>
-          </p:cNvPicPr>
-          <p:nvPr/>
-        </p:nvPicPr>
-        <p:blipFill>
-          <a:blip r:embed="rId7">
-            <a:extLst>
-              <a:ext uri="{28A0092B-C50C-407E-A947-70E740481C1C}">
-                <a14:useLocalDpi xmlns:a14="http://schemas.microsoft.com/office/drawing/2010/main" val="0"/>
-              </a:ext>
-            </a:extLst>
-          </a:blip>
-          <a:srcRect/>
-          <a:stretch>
-            <a:fillRect/>
-          </a:stretch>
-        </p:blipFill>
-        <p:spPr bwMode="auto">
-          <a:xfrm>
-            <a:off x="5819672" y="3507727"/>
-            <a:ext cx="457200" cy="457200"/>
-          </a:xfrm>
-          <a:prstGeom prst="rect">
-            <a:avLst/>
-          </a:prstGeom>
-          <a:noFill/>
-          <a:ln>
-            <a:noFill/>
-          </a:ln>
-          <a:extLst>
-            <a:ext uri="{909E8E84-426E-40DD-AFC4-6F175D3DCCD1}">
-              <a14:hiddenFill xmlns:a14="http://schemas.microsoft.com/office/drawing/2010/main">
-                <a:solidFill>
-                  <a:srgbClr val="FFFFFF"/>
-                </a:solidFill>
-              </a14:hiddenFill>
-            </a:ext>
-            <a:ext uri="{91240B29-F687-4F45-9708-019B960494DF}">
-              <a14:hiddenLine xmlns:a14="http://schemas.microsoft.com/office/drawing/2010/main" w="9525">
-                <a:solidFill>
-                  <a:srgbClr val="000000"/>
-                </a:solidFill>
-                <a:miter lim="800000"/>
-                <a:headEnd/>
-                <a:tailEnd/>
-              </a14:hiddenLine>
-            </a:ext>
-          </a:extLst>
-        </p:spPr>
-      </p:pic>
-      <p:sp>
-        <p:nvSpPr>
-          <p:cNvPr id="53" name="TextBox 31">
-            <a:extLst>
-              <a:ext uri="{FF2B5EF4-FFF2-40B4-BE49-F238E27FC236}">
-                <a16:creationId xmlns:a16="http://schemas.microsoft.com/office/drawing/2014/main" id="{BA84AF58-DC8E-2248-8120-4A45434174A6}"/>
-              </a:ext>
-            </a:extLst>
-          </p:cNvPr>
-          <p:cNvSpPr txBox="1">
-            <a:spLocks noChangeArrowheads="1"/>
-          </p:cNvSpPr>
-          <p:nvPr/>
-        </p:nvSpPr>
-        <p:spPr bwMode="auto">
-          <a:xfrm>
-            <a:off x="5385535" y="3958578"/>
-            <a:ext cx="1163639" cy="430887"/>
-          </a:xfrm>
-          <a:prstGeom prst="rect">
-            <a:avLst/>
-          </a:prstGeom>
-          <a:noFill/>
-          <a:ln>
-            <a:noFill/>
-          </a:ln>
-          <a:extLst>
-            <a:ext uri="{909E8E84-426E-40DD-AFC4-6F175D3DCCD1}">
-              <a14:hiddenFill xmlns:a14="http://schemas.microsoft.com/office/drawing/2010/main">
-                <a:solidFill>
-                  <a:srgbClr val="FFFFFF"/>
-                </a:solidFill>
-              </a14:hiddenFill>
-            </a:ext>
-            <a:ext uri="{91240B29-F687-4F45-9708-019B960494DF}">
-              <a14:hiddenLine xmlns:a14="http://schemas.microsoft.com/office/drawing/2010/main" w="9525">
-                <a:solidFill>
-                  <a:srgbClr val="000000"/>
-                </a:solidFill>
-                <a:miter lim="800000"/>
-                <a:headEnd/>
-                <a:tailEnd/>
-              </a14:hiddenLine>
-            </a:ext>
-          </a:extLst>
-        </p:spPr>
-        <p:txBody>
-          <a:bodyPr wrap="square">
-            <a:spAutoFit/>
-          </a:bodyPr>
-          <a:lstStyle>
-            <a:lvl1pPr>
-              <a:defRPr>
-                <a:solidFill>
-                  <a:schemeClr val="tx1"/>
-                </a:solidFill>
-                <a:latin typeface="Calibri" panose="020F0502020204030204" pitchFamily="34" charset="0"/>
-              </a:defRPr>
-            </a:lvl1pPr>
-            <a:lvl2pPr marL="742950" indent="-285750">
-              <a:defRPr>
-                <a:solidFill>
-                  <a:schemeClr val="tx1"/>
-                </a:solidFill>
-                <a:latin typeface="Calibri" panose="020F0502020204030204" pitchFamily="34" charset="0"/>
-              </a:defRPr>
-            </a:lvl2pPr>
-            <a:lvl3pPr marL="1143000" indent="-228600">
-              <a:defRPr>
-                <a:solidFill>
-                  <a:schemeClr val="tx1"/>
-                </a:solidFill>
-                <a:latin typeface="Calibri" panose="020F0502020204030204" pitchFamily="34" charset="0"/>
-              </a:defRPr>
-            </a:lvl3pPr>
-            <a:lvl4pPr marL="1600200" indent="-228600">
-              <a:defRPr>
-                <a:solidFill>
-                  <a:schemeClr val="tx1"/>
-                </a:solidFill>
-                <a:latin typeface="Calibri" panose="020F0502020204030204" pitchFamily="34" charset="0"/>
-              </a:defRPr>
-            </a:lvl4pPr>
-            <a:lvl5pPr marL="2057400" indent="-228600">
-              <a:defRPr>
-                <a:solidFill>
-                  <a:schemeClr val="tx1"/>
-                </a:solidFill>
-                <a:latin typeface="Calibri" panose="020F0502020204030204" pitchFamily="34" charset="0"/>
-              </a:defRPr>
-            </a:lvl5pPr>
-            <a:lvl6pPr marL="2514600" indent="-228600" eaLnBrk="0" fontAlgn="base" hangingPunct="0">
-              <a:spcBef>
-                <a:spcPct val="0"/>
-              </a:spcBef>
-              <a:spcAft>
-                <a:spcPct val="0"/>
-              </a:spcAft>
-              <a:defRPr>
-                <a:solidFill>
-                  <a:schemeClr val="tx1"/>
-                </a:solidFill>
-                <a:latin typeface="Calibri" panose="020F0502020204030204" pitchFamily="34" charset="0"/>
-              </a:defRPr>
-            </a:lvl6pPr>
-            <a:lvl7pPr marL="2971800" indent="-228600" eaLnBrk="0" fontAlgn="base" hangingPunct="0">
-              <a:spcBef>
-                <a:spcPct val="0"/>
-              </a:spcBef>
-              <a:spcAft>
-                <a:spcPct val="0"/>
-              </a:spcAft>
-              <a:defRPr>
-                <a:solidFill>
-                  <a:schemeClr val="tx1"/>
-                </a:solidFill>
-                <a:latin typeface="Calibri" panose="020F0502020204030204" pitchFamily="34" charset="0"/>
-              </a:defRPr>
-            </a:lvl7pPr>
-            <a:lvl8pPr marL="3429000" indent="-228600" eaLnBrk="0" fontAlgn="base" hangingPunct="0">
-              <a:spcBef>
-                <a:spcPct val="0"/>
-              </a:spcBef>
-              <a:spcAft>
-                <a:spcPct val="0"/>
-              </a:spcAft>
-              <a:defRPr>
-                <a:solidFill>
-                  <a:schemeClr val="tx1"/>
-                </a:solidFill>
-                <a:latin typeface="Calibri" panose="020F0502020204030204" pitchFamily="34" charset="0"/>
-              </a:defRPr>
-            </a:lvl8pPr>
-            <a:lvl9pPr marL="3886200" indent="-228600" eaLnBrk="0" fontAlgn="base" hangingPunct="0">
-              <a:spcBef>
-                <a:spcPct val="0"/>
-              </a:spcBef>
-              <a:spcAft>
-                <a:spcPct val="0"/>
-              </a:spcAft>
-              <a:defRPr>
-                <a:solidFill>
-                  <a:schemeClr val="tx1"/>
-                </a:solidFill>
-                <a:latin typeface="Calibri" panose="020F0502020204030204" pitchFamily="34" charset="0"/>
-              </a:defRPr>
-            </a:lvl9pPr>
-          </a:lstStyle>
-          <a:p>
-            <a:pPr algn="ctr" eaLnBrk="1" hangingPunct="1"/>
-            <a:r>
-              <a:rPr lang="en-US" altLang="en-US" sz="1100" dirty="0">
-                <a:latin typeface="Arial" panose="020B0604020202020204" pitchFamily="34" charset="0"/>
-                <a:ea typeface="Amazon Ember" panose="020B0603020204020204" pitchFamily="34" charset="0"/>
-                <a:cs typeface="Arial" panose="020B0604020202020204" pitchFamily="34" charset="0"/>
-              </a:rPr>
-              <a:t>CloudWatch Log Group</a:t>
-            </a:r>
-          </a:p>
-        </p:txBody>
-      </p:sp>
-      <p:sp>
-        <p:nvSpPr>
-          <p:cNvPr id="54" name="TextBox 29">
-            <a:extLst>
-              <a:ext uri="{FF2B5EF4-FFF2-40B4-BE49-F238E27FC236}">
-                <a16:creationId xmlns:a16="http://schemas.microsoft.com/office/drawing/2014/main" id="{81A54592-87A5-E64E-BE01-2E572FF1F408}"/>
-              </a:ext>
-            </a:extLst>
-          </p:cNvPr>
-          <p:cNvSpPr txBox="1">
-            <a:spLocks noChangeArrowheads="1"/>
-          </p:cNvSpPr>
-          <p:nvPr/>
-        </p:nvSpPr>
-        <p:spPr bwMode="auto">
-          <a:xfrm>
-            <a:off x="4110249" y="3948180"/>
-            <a:ext cx="1119613" cy="261610"/>
-          </a:xfrm>
-          <a:prstGeom prst="rect">
-            <a:avLst/>
-          </a:prstGeom>
-          <a:noFill/>
-          <a:ln>
-            <a:noFill/>
-          </a:ln>
-          <a:extLst>
-            <a:ext uri="{909E8E84-426E-40DD-AFC4-6F175D3DCCD1}">
-              <a14:hiddenFill xmlns:a14="http://schemas.microsoft.com/office/drawing/2010/main">
-                <a:solidFill>
-                  <a:srgbClr val="FFFFFF"/>
-                </a:solidFill>
-              </a14:hiddenFill>
-            </a:ext>
-            <a:ext uri="{91240B29-F687-4F45-9708-019B960494DF}">
-              <a14:hiddenLine xmlns:a14="http://schemas.microsoft.com/office/drawing/2010/main" w="9525">
-                <a:solidFill>
-                  <a:srgbClr val="000000"/>
-                </a:solidFill>
-                <a:miter lim="800000"/>
-                <a:headEnd/>
-                <a:tailEnd/>
-              </a14:hiddenLine>
-            </a:ext>
-          </a:extLst>
-        </p:spPr>
-        <p:txBody>
-          <a:bodyPr wrap="square">
-            <a:spAutoFit/>
-          </a:bodyPr>
-          <a:lstStyle>
-            <a:lvl1pPr>
-              <a:defRPr>
-                <a:solidFill>
-                  <a:schemeClr val="tx1"/>
-                </a:solidFill>
-                <a:latin typeface="Calibri" panose="020F0502020204030204" pitchFamily="34" charset="0"/>
-              </a:defRPr>
-            </a:lvl1pPr>
-            <a:lvl2pPr marL="742950" indent="-285750">
-              <a:defRPr>
-                <a:solidFill>
-                  <a:schemeClr val="tx1"/>
-                </a:solidFill>
-                <a:latin typeface="Calibri" panose="020F0502020204030204" pitchFamily="34" charset="0"/>
-              </a:defRPr>
-            </a:lvl2pPr>
-            <a:lvl3pPr marL="1143000" indent="-228600">
-              <a:defRPr>
-                <a:solidFill>
-                  <a:schemeClr val="tx1"/>
-                </a:solidFill>
-                <a:latin typeface="Calibri" panose="020F0502020204030204" pitchFamily="34" charset="0"/>
-              </a:defRPr>
-            </a:lvl3pPr>
-            <a:lvl4pPr marL="1600200" indent="-228600">
-              <a:defRPr>
-                <a:solidFill>
-                  <a:schemeClr val="tx1"/>
-                </a:solidFill>
-                <a:latin typeface="Calibri" panose="020F0502020204030204" pitchFamily="34" charset="0"/>
-              </a:defRPr>
-            </a:lvl4pPr>
-            <a:lvl5pPr marL="2057400" indent="-228600">
-              <a:defRPr>
-                <a:solidFill>
-                  <a:schemeClr val="tx1"/>
-                </a:solidFill>
-                <a:latin typeface="Calibri" panose="020F0502020204030204" pitchFamily="34" charset="0"/>
-              </a:defRPr>
-            </a:lvl5pPr>
-            <a:lvl6pPr marL="2514600" indent="-228600" eaLnBrk="0" fontAlgn="base" hangingPunct="0">
-              <a:spcBef>
-                <a:spcPct val="0"/>
-              </a:spcBef>
-              <a:spcAft>
-                <a:spcPct val="0"/>
-              </a:spcAft>
-              <a:defRPr>
-                <a:solidFill>
-                  <a:schemeClr val="tx1"/>
-                </a:solidFill>
-                <a:latin typeface="Calibri" panose="020F0502020204030204" pitchFamily="34" charset="0"/>
-              </a:defRPr>
-            </a:lvl6pPr>
-            <a:lvl7pPr marL="2971800" indent="-228600" eaLnBrk="0" fontAlgn="base" hangingPunct="0">
-              <a:spcBef>
-                <a:spcPct val="0"/>
-              </a:spcBef>
-              <a:spcAft>
-                <a:spcPct val="0"/>
-              </a:spcAft>
-              <a:defRPr>
-                <a:solidFill>
-                  <a:schemeClr val="tx1"/>
-                </a:solidFill>
-                <a:latin typeface="Calibri" panose="020F0502020204030204" pitchFamily="34" charset="0"/>
-              </a:defRPr>
-            </a:lvl7pPr>
-            <a:lvl8pPr marL="3429000" indent="-228600" eaLnBrk="0" fontAlgn="base" hangingPunct="0">
-              <a:spcBef>
-                <a:spcPct val="0"/>
-              </a:spcBef>
-              <a:spcAft>
-                <a:spcPct val="0"/>
-              </a:spcAft>
-              <a:defRPr>
-                <a:solidFill>
-                  <a:schemeClr val="tx1"/>
-                </a:solidFill>
-                <a:latin typeface="Calibri" panose="020F0502020204030204" pitchFamily="34" charset="0"/>
-              </a:defRPr>
-            </a:lvl8pPr>
-            <a:lvl9pPr marL="3886200" indent="-228600" eaLnBrk="0" fontAlgn="base" hangingPunct="0">
-              <a:spcBef>
-                <a:spcPct val="0"/>
-              </a:spcBef>
-              <a:spcAft>
-                <a:spcPct val="0"/>
-              </a:spcAft>
-              <a:defRPr>
-                <a:solidFill>
-                  <a:schemeClr val="tx1"/>
-                </a:solidFill>
-                <a:latin typeface="Calibri" panose="020F0502020204030204" pitchFamily="34" charset="0"/>
-              </a:defRPr>
-            </a:lvl9pPr>
-          </a:lstStyle>
-          <a:p>
-            <a:pPr algn="ctr" eaLnBrk="1" hangingPunct="1"/>
-            <a:r>
-              <a:rPr lang="en-US" altLang="en-US" sz="1100" dirty="0">
-                <a:latin typeface="Arial" panose="020B0604020202020204" pitchFamily="34" charset="0"/>
-                <a:ea typeface="Amazon Ember" panose="020B0603020204020204" pitchFamily="34" charset="0"/>
                 <a:cs typeface="Arial" panose="020B0604020202020204" pitchFamily="34" charset="0"/>
               </a:rPr>
               <a:t>Lambda Role</a:t>
@@ -5029,115 +5213,12 @@
           </a:p>
         </p:txBody>
       </p:sp>
-      <p:pic>
-        <p:nvPicPr>
-          <p:cNvPr id="55" name="Graphic 49">
-            <a:extLst>
-              <a:ext uri="{FF2B5EF4-FFF2-40B4-BE49-F238E27FC236}">
-                <a16:creationId xmlns:a16="http://schemas.microsoft.com/office/drawing/2014/main" id="{2D75FA22-FF73-4D4D-A15D-E7D5D06CFDCD}"/>
-              </a:ext>
-            </a:extLst>
-          </p:cNvPr>
-          <p:cNvPicPr>
-            <a:picLocks noChangeAspect="1" noChangeArrowheads="1"/>
-          </p:cNvPicPr>
-          <p:nvPr/>
-        </p:nvPicPr>
-        <p:blipFill>
-          <a:blip r:embed="rId8">
-            <a:extLst>
-              <a:ext uri="{28A0092B-C50C-407E-A947-70E740481C1C}">
-                <a14:useLocalDpi xmlns:a14="http://schemas.microsoft.com/office/drawing/2010/main" val="0"/>
-              </a:ext>
-            </a:extLst>
-          </a:blip>
-          <a:srcRect/>
-          <a:stretch>
-            <a:fillRect/>
-          </a:stretch>
-        </p:blipFill>
-        <p:spPr bwMode="auto">
-          <a:xfrm>
-            <a:off x="4448138" y="3581344"/>
-            <a:ext cx="457200" cy="457200"/>
-          </a:xfrm>
-          <a:prstGeom prst="rect">
-            <a:avLst/>
-          </a:prstGeom>
-          <a:noFill/>
-          <a:ln>
-            <a:noFill/>
-          </a:ln>
-          <a:extLst>
-            <a:ext uri="{909E8E84-426E-40DD-AFC4-6F175D3DCCD1}">
-              <a14:hiddenFill xmlns:a14="http://schemas.microsoft.com/office/drawing/2010/main">
-                <a:solidFill>
-                  <a:srgbClr val="FFFFFF"/>
-                </a:solidFill>
-              </a14:hiddenFill>
-            </a:ext>
-            <a:ext uri="{91240B29-F687-4F45-9708-019B960494DF}">
-              <a14:hiddenLine xmlns:a14="http://schemas.microsoft.com/office/drawing/2010/main" w="9525">
-                <a:solidFill>
-                  <a:srgbClr val="000000"/>
-                </a:solidFill>
-                <a:miter lim="800000"/>
-                <a:headEnd/>
-                <a:tailEnd/>
-              </a14:hiddenLine>
-            </a:ext>
-          </a:extLst>
-        </p:spPr>
-      </p:pic>
-      <p:cxnSp>
-        <p:nvCxnSpPr>
-          <p:cNvPr id="56" name="Straight Arrow Connector 55">
-            <a:extLst>
-              <a:ext uri="{FF2B5EF4-FFF2-40B4-BE49-F238E27FC236}">
-                <a16:creationId xmlns:a16="http://schemas.microsoft.com/office/drawing/2014/main" id="{00720247-6D22-DD47-A167-742D770132E6}"/>
-              </a:ext>
-            </a:extLst>
-          </p:cNvPr>
-          <p:cNvCxnSpPr>
-            <a:cxnSpLocks/>
-            <a:stCxn id="50" idx="2"/>
-            <a:endCxn id="52" idx="0"/>
-          </p:cNvCxnSpPr>
-          <p:nvPr/>
-        </p:nvCxnSpPr>
-        <p:spPr>
-          <a:xfrm flipH="1">
-            <a:off x="6048272" y="3300175"/>
-            <a:ext cx="151" cy="207552"/>
-          </a:xfrm>
-          <a:prstGeom prst="straightConnector1">
-            <a:avLst/>
-          </a:prstGeom>
-          <a:ln>
-            <a:tailEnd type="triangle"/>
-          </a:ln>
-        </p:spPr>
-        <p:style>
-          <a:lnRef idx="1">
-            <a:schemeClr val="dk1"/>
-          </a:lnRef>
-          <a:fillRef idx="0">
-            <a:schemeClr val="dk1"/>
-          </a:fillRef>
-          <a:effectRef idx="0">
-            <a:schemeClr val="dk1"/>
-          </a:effectRef>
-          <a:fontRef idx="minor">
-            <a:schemeClr val="tx1"/>
-          </a:fontRef>
-        </p:style>
-      </p:cxnSp>
-      <p:sp>
-        <p:nvSpPr>
-          <p:cNvPr id="57" name="Rectangle 56">
-            <a:extLst>
-              <a:ext uri="{FF2B5EF4-FFF2-40B4-BE49-F238E27FC236}">
-                <a16:creationId xmlns:a16="http://schemas.microsoft.com/office/drawing/2014/main" id="{C71B7B4E-1E78-B842-868A-3BBF73B37F68}"/>
+      <p:sp>
+        <p:nvSpPr>
+          <p:cNvPr id="27" name="Oval 26">
+            <a:extLst>
+              <a:ext uri="{FF2B5EF4-FFF2-40B4-BE49-F238E27FC236}">
+                <a16:creationId xmlns:a16="http://schemas.microsoft.com/office/drawing/2014/main" id="{04BBDB68-BCE4-4C07-8887-B4D1ED0D4A3B}"/>
               </a:ext>
             </a:extLst>
           </p:cNvPr>
@@ -5146,131 +5227,7 @@
         </p:nvSpPr>
         <p:spPr>
           <a:xfrm>
-            <a:off x="4096916" y="2287241"/>
-            <a:ext cx="3986072" cy="2164872"/>
-          </a:xfrm>
-          <a:prstGeom prst="rect">
-            <a:avLst/>
-          </a:prstGeom>
-          <a:noFill/>
-          <a:ln w="12700">
-            <a:solidFill>
-              <a:schemeClr val="tx1"/>
-            </a:solidFill>
-            <a:prstDash val="dash"/>
-          </a:ln>
-        </p:spPr>
-        <p:style>
-          <a:lnRef idx="2">
-            <a:schemeClr val="accent1">
-              <a:shade val="50000"/>
-            </a:schemeClr>
-          </a:lnRef>
-          <a:fillRef idx="1">
-            <a:schemeClr val="accent1"/>
-          </a:fillRef>
-          <a:effectRef idx="0">
-            <a:schemeClr val="accent1"/>
-          </a:effectRef>
-          <a:fontRef idx="minor">
-            <a:schemeClr val="lt1"/>
-          </a:fontRef>
-        </p:style>
-        <p:txBody>
-          <a:bodyPr rot="0" spcFirstLastPara="0" vertOverflow="overflow" horzOverflow="overflow" vert="horz" wrap="square" lIns="91440" tIns="0" rIns="91440" bIns="45720" numCol="1" spcCol="0" rtlCol="0" fromWordArt="0" anchor="t" anchorCtr="0" forceAA="0" compatLnSpc="1">
-            <a:prstTxWarp prst="textNoShape">
-              <a:avLst/>
-            </a:prstTxWarp>
-            <a:noAutofit/>
-          </a:bodyPr>
-          <a:lstStyle/>
-          <a:p>
-            <a:r>
-              <a:rPr lang="en-US" sz="1200" b="1" dirty="0">
-                <a:solidFill>
-                  <a:schemeClr val="tx1"/>
-                </a:solidFill>
-              </a:rPr>
-              <a:t>Home-region</a:t>
-            </a:r>
-          </a:p>
-        </p:txBody>
-      </p:sp>
-      <p:pic>
-        <p:nvPicPr>
-          <p:cNvPr id="58" name="Graphic 19">
-            <a:extLst>
-              <a:ext uri="{FF2B5EF4-FFF2-40B4-BE49-F238E27FC236}">
-                <a16:creationId xmlns:a16="http://schemas.microsoft.com/office/drawing/2014/main" id="{1BC9126C-017A-234F-92BB-99BAED582BC7}"/>
-              </a:ext>
-            </a:extLst>
-          </p:cNvPr>
-          <p:cNvPicPr>
-            <a:picLocks noChangeAspect="1" noChangeArrowheads="1"/>
-          </p:cNvPicPr>
-          <p:nvPr/>
-        </p:nvPicPr>
-        <p:blipFill>
-          <a:blip r:embed="rId9">
-            <a:extLst>
-              <a:ext uri="{28A0092B-C50C-407E-A947-70E740481C1C}">
-                <a14:useLocalDpi xmlns:a14="http://schemas.microsoft.com/office/drawing/2010/main" val="0"/>
-              </a:ext>
-            </a:extLst>
-          </a:blip>
-          <a:srcRect/>
-          <a:stretch>
-            <a:fillRect/>
-          </a:stretch>
-        </p:blipFill>
-        <p:spPr bwMode="auto">
-          <a:xfrm>
-            <a:off x="7180379" y="2522729"/>
-            <a:ext cx="457200" cy="457200"/>
-          </a:xfrm>
-          <a:prstGeom prst="rect">
-            <a:avLst/>
-          </a:prstGeom>
-          <a:noFill/>
-          <a:ln>
-            <a:noFill/>
-          </a:ln>
-          <a:extLst>
-            <a:ext uri="{909E8E84-426E-40DD-AFC4-6F175D3DCCD1}">
-              <a14:hiddenFill xmlns:a14="http://schemas.microsoft.com/office/drawing/2010/main">
-                <a:solidFill>
-                  <a:srgbClr val="FFFFFF"/>
-                </a:solidFill>
-              </a14:hiddenFill>
-            </a:ext>
-            <a:ext uri="{91240B29-F687-4F45-9708-019B960494DF}">
-              <a14:hiddenLine xmlns:a14="http://schemas.microsoft.com/office/drawing/2010/main" w="9525">
-                <a:solidFill>
-                  <a:srgbClr val="000000"/>
-                </a:solidFill>
-                <a:miter lim="800000"/>
-                <a:headEnd/>
-                <a:tailEnd/>
-              </a14:hiddenLine>
-            </a:ext>
-          </a:extLst>
-        </p:spPr>
-      </p:pic>
-      <p:sp>
-        <p:nvSpPr>
-          <p:cNvPr id="86" name="Oval 85">
-            <a:extLst>
-              <a:ext uri="{FF2B5EF4-FFF2-40B4-BE49-F238E27FC236}">
-                <a16:creationId xmlns:a16="http://schemas.microsoft.com/office/drawing/2014/main" id="{C69975ED-D724-5D4A-B63D-87D44AB2A082}"/>
-              </a:ext>
-            </a:extLst>
-          </p:cNvPr>
-          <p:cNvSpPr/>
-          <p:nvPr/>
-        </p:nvSpPr>
-        <p:spPr>
-          <a:xfrm>
-            <a:off x="7186050" y="2536432"/>
+            <a:off x="734043" y="1085240"/>
             <a:ext cx="253435" cy="212902"/>
           </a:xfrm>
           <a:prstGeom prst="ellipse">
@@ -5311,234 +5268,15 @@
                 <a:latin typeface="Arial" panose="020B0604020202020204" pitchFamily="34" charset="0"/>
                 <a:cs typeface="Arial" panose="020B0604020202020204" pitchFamily="34" charset="0"/>
               </a:rPr>
-              <a:t>1.5</a:t>
-            </a:r>
-          </a:p>
-        </p:txBody>
-      </p:sp>
-      <p:sp>
-        <p:nvSpPr>
-          <p:cNvPr id="228" name="Oval 227">
-            <a:extLst>
-              <a:ext uri="{FF2B5EF4-FFF2-40B4-BE49-F238E27FC236}">
-                <a16:creationId xmlns:a16="http://schemas.microsoft.com/office/drawing/2014/main" id="{2825B996-8DA9-604E-ADB8-7AADC93D3485}"/>
-              </a:ext>
-            </a:extLst>
-          </p:cNvPr>
-          <p:cNvSpPr/>
-          <p:nvPr/>
-        </p:nvSpPr>
-        <p:spPr>
-          <a:xfrm>
-            <a:off x="5574877" y="2528777"/>
-            <a:ext cx="253435" cy="212902"/>
-          </a:xfrm>
-          <a:prstGeom prst="ellipse">
-            <a:avLst/>
-          </a:prstGeom>
-          <a:solidFill>
-            <a:schemeClr val="tx1"/>
-          </a:solidFill>
-          <a:ln>
-            <a:solidFill>
-              <a:schemeClr val="tx1"/>
-            </a:solidFill>
-          </a:ln>
-        </p:spPr>
-        <p:style>
-          <a:lnRef idx="2">
-            <a:schemeClr val="accent1">
-              <a:shade val="50000"/>
-            </a:schemeClr>
-          </a:lnRef>
-          <a:fillRef idx="1">
-            <a:schemeClr val="accent1"/>
-          </a:fillRef>
-          <a:effectRef idx="0">
-            <a:schemeClr val="accent1"/>
-          </a:effectRef>
-          <a:fontRef idx="minor">
-            <a:schemeClr val="lt1"/>
-          </a:fontRef>
-        </p:style>
-        <p:txBody>
-          <a:bodyPr lIns="0" tIns="0" rIns="0" bIns="0" rtlCol="0" anchor="ctr"/>
-          <a:lstStyle/>
-          <a:p>
-            <a:pPr algn="ctr"/>
-            <a:r>
-              <a:rPr lang="en-US" sz="800" dirty="0">
-                <a:latin typeface="Arial" panose="020B0604020202020204" pitchFamily="34" charset="0"/>
-                <a:cs typeface="Arial" panose="020B0604020202020204" pitchFamily="34" charset="0"/>
-              </a:rPr>
-              <a:t>1.2</a:t>
-            </a:r>
-          </a:p>
-        </p:txBody>
-      </p:sp>
-      <p:sp>
-        <p:nvSpPr>
-          <p:cNvPr id="229" name="Oval 228">
-            <a:extLst>
-              <a:ext uri="{FF2B5EF4-FFF2-40B4-BE49-F238E27FC236}">
-                <a16:creationId xmlns:a16="http://schemas.microsoft.com/office/drawing/2014/main" id="{859652C7-00A9-F34A-9655-67677985A48F}"/>
-              </a:ext>
-            </a:extLst>
-          </p:cNvPr>
-          <p:cNvSpPr/>
-          <p:nvPr/>
-        </p:nvSpPr>
-        <p:spPr>
-          <a:xfrm>
-            <a:off x="4269958" y="3597042"/>
-            <a:ext cx="253435" cy="212902"/>
-          </a:xfrm>
-          <a:prstGeom prst="ellipse">
-            <a:avLst/>
-          </a:prstGeom>
-          <a:solidFill>
-            <a:schemeClr val="tx1"/>
-          </a:solidFill>
-          <a:ln>
-            <a:solidFill>
-              <a:schemeClr val="tx1"/>
-            </a:solidFill>
-          </a:ln>
-        </p:spPr>
-        <p:style>
-          <a:lnRef idx="2">
-            <a:schemeClr val="accent1">
-              <a:shade val="50000"/>
-            </a:schemeClr>
-          </a:lnRef>
-          <a:fillRef idx="1">
-            <a:schemeClr val="accent1"/>
-          </a:fillRef>
-          <a:effectRef idx="0">
-            <a:schemeClr val="accent1"/>
-          </a:effectRef>
-          <a:fontRef idx="minor">
-            <a:schemeClr val="lt1"/>
-          </a:fontRef>
-        </p:style>
-        <p:txBody>
-          <a:bodyPr lIns="0" tIns="0" rIns="0" bIns="0" rtlCol="0" anchor="ctr"/>
-          <a:lstStyle/>
-          <a:p>
-            <a:pPr algn="ctr"/>
-            <a:r>
-              <a:rPr lang="en-US" sz="800" dirty="0">
-                <a:latin typeface="Arial" panose="020B0604020202020204" pitchFamily="34" charset="0"/>
-                <a:cs typeface="Arial" panose="020B0604020202020204" pitchFamily="34" charset="0"/>
-              </a:rPr>
-              <a:t>1.4</a:t>
-            </a:r>
-          </a:p>
-        </p:txBody>
-      </p:sp>
-      <p:sp>
-        <p:nvSpPr>
-          <p:cNvPr id="230" name="Oval 229">
-            <a:extLst>
-              <a:ext uri="{FF2B5EF4-FFF2-40B4-BE49-F238E27FC236}">
-                <a16:creationId xmlns:a16="http://schemas.microsoft.com/office/drawing/2014/main" id="{A8B92BA9-A7C6-BB4E-B68F-9B0ADFBA3120}"/>
-              </a:ext>
-            </a:extLst>
-          </p:cNvPr>
-          <p:cNvSpPr/>
-          <p:nvPr/>
-        </p:nvSpPr>
-        <p:spPr>
-          <a:xfrm>
-            <a:off x="5561090" y="3431876"/>
-            <a:ext cx="253435" cy="212902"/>
-          </a:xfrm>
-          <a:prstGeom prst="ellipse">
-            <a:avLst/>
-          </a:prstGeom>
-          <a:solidFill>
-            <a:schemeClr val="tx1"/>
-          </a:solidFill>
-          <a:ln>
-            <a:solidFill>
-              <a:schemeClr val="tx1"/>
-            </a:solidFill>
-          </a:ln>
-        </p:spPr>
-        <p:style>
-          <a:lnRef idx="2">
-            <a:schemeClr val="accent1">
-              <a:shade val="50000"/>
-            </a:schemeClr>
-          </a:lnRef>
-          <a:fillRef idx="1">
-            <a:schemeClr val="accent1"/>
-          </a:fillRef>
-          <a:effectRef idx="0">
-            <a:schemeClr val="accent1"/>
-          </a:effectRef>
-          <a:fontRef idx="minor">
-            <a:schemeClr val="lt1"/>
-          </a:fontRef>
-        </p:style>
-        <p:txBody>
-          <a:bodyPr lIns="0" tIns="0" rIns="0" bIns="0" rtlCol="0" anchor="ctr"/>
-          <a:lstStyle/>
-          <a:p>
-            <a:pPr algn="ctr"/>
-            <a:r>
-              <a:rPr lang="en-US" sz="800" dirty="0">
-                <a:latin typeface="Arial" panose="020B0604020202020204" pitchFamily="34" charset="0"/>
-                <a:cs typeface="Arial" panose="020B0604020202020204" pitchFamily="34" charset="0"/>
-              </a:rPr>
-              <a:t>1.3</a:t>
-            </a:r>
-          </a:p>
-        </p:txBody>
-      </p:sp>
-      <p:cxnSp>
-        <p:nvCxnSpPr>
-          <p:cNvPr id="5" name="Straight Arrow Connector 4">
-            <a:extLst>
-              <a:ext uri="{FF2B5EF4-FFF2-40B4-BE49-F238E27FC236}">
-                <a16:creationId xmlns:a16="http://schemas.microsoft.com/office/drawing/2014/main" id="{CF9F0FED-1193-4646-A68C-561B18A8B69C}"/>
-              </a:ext>
-            </a:extLst>
-          </p:cNvPr>
-          <p:cNvCxnSpPr/>
-          <p:nvPr/>
-        </p:nvCxnSpPr>
-        <p:spPr>
-          <a:xfrm>
-            <a:off x="6467221" y="2749334"/>
-            <a:ext cx="456709" cy="0"/>
-          </a:xfrm>
-          <a:prstGeom prst="straightConnector1">
-            <a:avLst/>
-          </a:prstGeom>
-          <a:ln>
-            <a:tailEnd type="triangle"/>
-          </a:ln>
-        </p:spPr>
-        <p:style>
-          <a:lnRef idx="1">
-            <a:schemeClr val="dk1"/>
-          </a:lnRef>
-          <a:fillRef idx="0">
-            <a:schemeClr val="dk1"/>
-          </a:fillRef>
-          <a:effectRef idx="0">
-            <a:schemeClr val="dk1"/>
-          </a:effectRef>
-          <a:fontRef idx="minor">
-            <a:schemeClr val="tx1"/>
-          </a:fontRef>
-        </p:style>
-      </p:cxnSp>
+              <a:t>1.0</a:t>
+            </a:r>
+          </a:p>
+        </p:txBody>
+      </p:sp>
     </p:spTree>
     <p:extLst>
       <p:ext uri="{BB962C8B-B14F-4D97-AF65-F5344CB8AC3E}">
-        <p14:creationId xmlns:p14="http://schemas.microsoft.com/office/powerpoint/2010/main" val="2296993975"/>
+        <p14:creationId xmlns:p14="http://schemas.microsoft.com/office/powerpoint/2010/main" val="2450359740"/>
       </p:ext>
     </p:extLst>
   </p:cSld>
